--- a/CMPSC445_WCFa22_Group2_Project_Presentation.pptx
+++ b/CMPSC445_WCFa22_Group2_Project_Presentation.pptx
@@ -6,6 +6,7 @@
   </p:sldMasterIdLst>
   <p:sldIdLst>
     <p:sldId id="256" r:id="rId2"/>
+    <p:sldId id="257" r:id="rId3"/>
   </p:sldIdLst>
   <p:sldSz cx="12192000" cy="6858000"/>
   <p:notesSz cx="6858000" cy="9144000"/>
@@ -104,7 +105,3580 @@
       </a:defRPr>
     </a:lvl9pPr>
   </p:defaultTextStyle>
+  <p:extLst>
+    <p:ext uri="{EFAFB233-063F-42B5-8137-9DF3F51BA10A}">
+      <p15:sldGuideLst xmlns:p15="http://schemas.microsoft.com/office/powerpoint/2012/main"/>
+    </p:ext>
+  </p:extLst>
 </p:presentation>
+</file>
+
+<file path=ppt/diagrams/colors1.xml><?xml version="1.0" encoding="utf-8"?>
+<dgm:colorsDef xmlns:dgm="http://schemas.openxmlformats.org/drawingml/2006/diagram" xmlns:a="http://schemas.openxmlformats.org/drawingml/2006/main" uniqueId="urn:microsoft.com/office/officeart/2005/8/colors/accent1_2">
+  <dgm:title val=""/>
+  <dgm:desc val=""/>
+  <dgm:catLst>
+    <dgm:cat type="accent1" pri="11200"/>
+  </dgm:catLst>
+  <dgm:styleLbl name="node0">
+    <dgm:fillClrLst meth="repeat">
+      <a:schemeClr val="accent1"/>
+    </dgm:fillClrLst>
+    <dgm:linClrLst meth="repeat">
+      <a:schemeClr val="lt1"/>
+    </dgm:linClrLst>
+    <dgm:effectClrLst/>
+    <dgm:txLinClrLst/>
+    <dgm:txFillClrLst/>
+    <dgm:txEffectClrLst/>
+  </dgm:styleLbl>
+  <dgm:styleLbl name="alignNode1">
+    <dgm:fillClrLst meth="repeat">
+      <a:schemeClr val="accent1"/>
+    </dgm:fillClrLst>
+    <dgm:linClrLst meth="repeat">
+      <a:schemeClr val="accent1"/>
+    </dgm:linClrLst>
+    <dgm:effectClrLst/>
+    <dgm:txLinClrLst/>
+    <dgm:txFillClrLst/>
+    <dgm:txEffectClrLst/>
+  </dgm:styleLbl>
+  <dgm:styleLbl name="node1">
+    <dgm:fillClrLst meth="repeat">
+      <a:schemeClr val="accent1"/>
+    </dgm:fillClrLst>
+    <dgm:linClrLst meth="repeat">
+      <a:schemeClr val="lt1"/>
+    </dgm:linClrLst>
+    <dgm:effectClrLst/>
+    <dgm:txLinClrLst/>
+    <dgm:txFillClrLst/>
+    <dgm:txEffectClrLst/>
+  </dgm:styleLbl>
+  <dgm:styleLbl name="lnNode1">
+    <dgm:fillClrLst meth="repeat">
+      <a:schemeClr val="accent1"/>
+    </dgm:fillClrLst>
+    <dgm:linClrLst meth="repeat">
+      <a:schemeClr val="lt1"/>
+    </dgm:linClrLst>
+    <dgm:effectClrLst/>
+    <dgm:txLinClrLst/>
+    <dgm:txFillClrLst/>
+    <dgm:txEffectClrLst/>
+  </dgm:styleLbl>
+  <dgm:styleLbl name="vennNode1">
+    <dgm:fillClrLst meth="repeat">
+      <a:schemeClr val="accent1">
+        <a:alpha val="50000"/>
+      </a:schemeClr>
+    </dgm:fillClrLst>
+    <dgm:linClrLst meth="repeat">
+      <a:schemeClr val="lt1"/>
+    </dgm:linClrLst>
+    <dgm:effectClrLst/>
+    <dgm:txLinClrLst/>
+    <dgm:txFillClrLst/>
+    <dgm:txEffectClrLst/>
+  </dgm:styleLbl>
+  <dgm:styleLbl name="node2">
+    <dgm:fillClrLst meth="repeat">
+      <a:schemeClr val="accent1"/>
+    </dgm:fillClrLst>
+    <dgm:linClrLst meth="repeat">
+      <a:schemeClr val="lt1"/>
+    </dgm:linClrLst>
+    <dgm:effectClrLst/>
+    <dgm:txLinClrLst/>
+    <dgm:txFillClrLst/>
+    <dgm:txEffectClrLst/>
+  </dgm:styleLbl>
+  <dgm:styleLbl name="node3">
+    <dgm:fillClrLst meth="repeat">
+      <a:schemeClr val="accent1"/>
+    </dgm:fillClrLst>
+    <dgm:linClrLst meth="repeat">
+      <a:schemeClr val="lt1"/>
+    </dgm:linClrLst>
+    <dgm:effectClrLst/>
+    <dgm:txLinClrLst/>
+    <dgm:txFillClrLst/>
+    <dgm:txEffectClrLst/>
+  </dgm:styleLbl>
+  <dgm:styleLbl name="node4">
+    <dgm:fillClrLst meth="repeat">
+      <a:schemeClr val="accent1"/>
+    </dgm:fillClrLst>
+    <dgm:linClrLst meth="repeat">
+      <a:schemeClr val="lt1"/>
+    </dgm:linClrLst>
+    <dgm:effectClrLst/>
+    <dgm:txLinClrLst/>
+    <dgm:txFillClrLst/>
+    <dgm:txEffectClrLst/>
+  </dgm:styleLbl>
+  <dgm:styleLbl name="fgImgPlace1">
+    <dgm:fillClrLst meth="repeat">
+      <a:schemeClr val="accent1">
+        <a:tint val="50000"/>
+      </a:schemeClr>
+    </dgm:fillClrLst>
+    <dgm:linClrLst meth="repeat">
+      <a:schemeClr val="lt1"/>
+    </dgm:linClrLst>
+    <dgm:effectClrLst/>
+    <dgm:txLinClrLst/>
+    <dgm:txFillClrLst meth="repeat">
+      <a:schemeClr val="lt1"/>
+    </dgm:txFillClrLst>
+    <dgm:txEffectClrLst/>
+  </dgm:styleLbl>
+  <dgm:styleLbl name="alignImgPlace1">
+    <dgm:fillClrLst meth="repeat">
+      <a:schemeClr val="accent1">
+        <a:tint val="50000"/>
+      </a:schemeClr>
+    </dgm:fillClrLst>
+    <dgm:linClrLst meth="repeat">
+      <a:schemeClr val="lt1"/>
+    </dgm:linClrLst>
+    <dgm:effectClrLst/>
+    <dgm:txLinClrLst/>
+    <dgm:txFillClrLst meth="repeat">
+      <a:schemeClr val="lt1"/>
+    </dgm:txFillClrLst>
+    <dgm:txEffectClrLst/>
+  </dgm:styleLbl>
+  <dgm:styleLbl name="bgImgPlace1">
+    <dgm:fillClrLst meth="repeat">
+      <a:schemeClr val="accent1">
+        <a:tint val="50000"/>
+      </a:schemeClr>
+    </dgm:fillClrLst>
+    <dgm:linClrLst meth="repeat">
+      <a:schemeClr val="lt1"/>
+    </dgm:linClrLst>
+    <dgm:effectClrLst/>
+    <dgm:txLinClrLst/>
+    <dgm:txFillClrLst meth="repeat">
+      <a:schemeClr val="lt1"/>
+    </dgm:txFillClrLst>
+    <dgm:txEffectClrLst/>
+  </dgm:styleLbl>
+  <dgm:styleLbl name="sibTrans2D1">
+    <dgm:fillClrLst meth="repeat">
+      <a:schemeClr val="accent1">
+        <a:tint val="60000"/>
+      </a:schemeClr>
+    </dgm:fillClrLst>
+    <dgm:linClrLst meth="repeat">
+      <a:schemeClr val="accent1">
+        <a:tint val="60000"/>
+      </a:schemeClr>
+    </dgm:linClrLst>
+    <dgm:effectClrLst/>
+    <dgm:txLinClrLst/>
+    <dgm:txFillClrLst/>
+    <dgm:txEffectClrLst/>
+  </dgm:styleLbl>
+  <dgm:styleLbl name="fgSibTrans2D1">
+    <dgm:fillClrLst meth="repeat">
+      <a:schemeClr val="accent1">
+        <a:tint val="60000"/>
+      </a:schemeClr>
+    </dgm:fillClrLst>
+    <dgm:linClrLst meth="repeat">
+      <a:schemeClr val="accent1">
+        <a:tint val="60000"/>
+      </a:schemeClr>
+    </dgm:linClrLst>
+    <dgm:effectClrLst/>
+    <dgm:txLinClrLst/>
+    <dgm:txFillClrLst/>
+    <dgm:txEffectClrLst/>
+  </dgm:styleLbl>
+  <dgm:styleLbl name="bgSibTrans2D1">
+    <dgm:fillClrLst meth="repeat">
+      <a:schemeClr val="accent1">
+        <a:tint val="60000"/>
+      </a:schemeClr>
+    </dgm:fillClrLst>
+    <dgm:linClrLst meth="repeat">
+      <a:schemeClr val="accent1">
+        <a:tint val="60000"/>
+      </a:schemeClr>
+    </dgm:linClrLst>
+    <dgm:effectClrLst/>
+    <dgm:txLinClrLst/>
+    <dgm:txFillClrLst/>
+    <dgm:txEffectClrLst/>
+  </dgm:styleLbl>
+  <dgm:styleLbl name="sibTrans1D1">
+    <dgm:fillClrLst meth="repeat">
+      <a:schemeClr val="accent1"/>
+    </dgm:fillClrLst>
+    <dgm:linClrLst meth="repeat">
+      <a:schemeClr val="accent1"/>
+    </dgm:linClrLst>
+    <dgm:effectClrLst/>
+    <dgm:txLinClrLst/>
+    <dgm:txFillClrLst meth="repeat">
+      <a:schemeClr val="tx1"/>
+    </dgm:txFillClrLst>
+    <dgm:txEffectClrLst/>
+  </dgm:styleLbl>
+  <dgm:styleLbl name="callout">
+    <dgm:fillClrLst meth="repeat">
+      <a:schemeClr val="accent1"/>
+    </dgm:fillClrLst>
+    <dgm:linClrLst meth="repeat">
+      <a:schemeClr val="accent1">
+        <a:tint val="50000"/>
+      </a:schemeClr>
+    </dgm:linClrLst>
+    <dgm:effectClrLst/>
+    <dgm:txLinClrLst/>
+    <dgm:txFillClrLst meth="repeat">
+      <a:schemeClr val="tx1"/>
+    </dgm:txFillClrLst>
+    <dgm:txEffectClrLst/>
+  </dgm:styleLbl>
+  <dgm:styleLbl name="asst0">
+    <dgm:fillClrLst meth="repeat">
+      <a:schemeClr val="accent1"/>
+    </dgm:fillClrLst>
+    <dgm:linClrLst meth="repeat">
+      <a:schemeClr val="lt1"/>
+    </dgm:linClrLst>
+    <dgm:effectClrLst/>
+    <dgm:txLinClrLst/>
+    <dgm:txFillClrLst/>
+    <dgm:txEffectClrLst/>
+  </dgm:styleLbl>
+  <dgm:styleLbl name="asst1">
+    <dgm:fillClrLst meth="repeat">
+      <a:schemeClr val="accent1"/>
+    </dgm:fillClrLst>
+    <dgm:linClrLst meth="repeat">
+      <a:schemeClr val="lt1"/>
+    </dgm:linClrLst>
+    <dgm:effectClrLst/>
+    <dgm:txLinClrLst/>
+    <dgm:txFillClrLst/>
+    <dgm:txEffectClrLst/>
+  </dgm:styleLbl>
+  <dgm:styleLbl name="asst2">
+    <dgm:fillClrLst meth="repeat">
+      <a:schemeClr val="accent1"/>
+    </dgm:fillClrLst>
+    <dgm:linClrLst meth="repeat">
+      <a:schemeClr val="lt1"/>
+    </dgm:linClrLst>
+    <dgm:effectClrLst/>
+    <dgm:txLinClrLst/>
+    <dgm:txFillClrLst/>
+    <dgm:txEffectClrLst/>
+  </dgm:styleLbl>
+  <dgm:styleLbl name="asst3">
+    <dgm:fillClrLst meth="repeat">
+      <a:schemeClr val="accent1"/>
+    </dgm:fillClrLst>
+    <dgm:linClrLst meth="repeat">
+      <a:schemeClr val="lt1"/>
+    </dgm:linClrLst>
+    <dgm:effectClrLst/>
+    <dgm:txLinClrLst/>
+    <dgm:txFillClrLst/>
+    <dgm:txEffectClrLst/>
+  </dgm:styleLbl>
+  <dgm:styleLbl name="asst4">
+    <dgm:fillClrLst meth="repeat">
+      <a:schemeClr val="accent1"/>
+    </dgm:fillClrLst>
+    <dgm:linClrLst meth="repeat">
+      <a:schemeClr val="lt1"/>
+    </dgm:linClrLst>
+    <dgm:effectClrLst/>
+    <dgm:txLinClrLst/>
+    <dgm:txFillClrLst/>
+    <dgm:txEffectClrLst/>
+  </dgm:styleLbl>
+  <dgm:styleLbl name="parChTrans2D1">
+    <dgm:fillClrLst meth="repeat">
+      <a:schemeClr val="accent1">
+        <a:tint val="60000"/>
+      </a:schemeClr>
+    </dgm:fillClrLst>
+    <dgm:linClrLst meth="repeat">
+      <a:schemeClr val="accent1">
+        <a:tint val="60000"/>
+      </a:schemeClr>
+    </dgm:linClrLst>
+    <dgm:effectClrLst/>
+    <dgm:txLinClrLst/>
+    <dgm:txFillClrLst meth="repeat">
+      <a:schemeClr val="lt1"/>
+    </dgm:txFillClrLst>
+    <dgm:txEffectClrLst/>
+  </dgm:styleLbl>
+  <dgm:styleLbl name="parChTrans2D2">
+    <dgm:fillClrLst meth="repeat">
+      <a:schemeClr val="accent1"/>
+    </dgm:fillClrLst>
+    <dgm:linClrLst meth="repeat">
+      <a:schemeClr val="accent1"/>
+    </dgm:linClrLst>
+    <dgm:effectClrLst/>
+    <dgm:txLinClrLst/>
+    <dgm:txFillClrLst meth="repeat">
+      <a:schemeClr val="lt1"/>
+    </dgm:txFillClrLst>
+    <dgm:txEffectClrLst/>
+  </dgm:styleLbl>
+  <dgm:styleLbl name="parChTrans2D3">
+    <dgm:fillClrLst meth="repeat">
+      <a:schemeClr val="accent1"/>
+    </dgm:fillClrLst>
+    <dgm:linClrLst meth="repeat">
+      <a:schemeClr val="accent1"/>
+    </dgm:linClrLst>
+    <dgm:effectClrLst/>
+    <dgm:txLinClrLst/>
+    <dgm:txFillClrLst meth="repeat">
+      <a:schemeClr val="lt1"/>
+    </dgm:txFillClrLst>
+    <dgm:txEffectClrLst/>
+  </dgm:styleLbl>
+  <dgm:styleLbl name="parChTrans2D4">
+    <dgm:fillClrLst meth="repeat">
+      <a:schemeClr val="accent1"/>
+    </dgm:fillClrLst>
+    <dgm:linClrLst meth="repeat">
+      <a:schemeClr val="accent1"/>
+    </dgm:linClrLst>
+    <dgm:effectClrLst/>
+    <dgm:txLinClrLst/>
+    <dgm:txFillClrLst meth="repeat">
+      <a:schemeClr val="lt1"/>
+    </dgm:txFillClrLst>
+    <dgm:txEffectClrLst/>
+  </dgm:styleLbl>
+  <dgm:styleLbl name="parChTrans1D1">
+    <dgm:fillClrLst meth="repeat">
+      <a:schemeClr val="accent1"/>
+    </dgm:fillClrLst>
+    <dgm:linClrLst meth="repeat">
+      <a:schemeClr val="accent1">
+        <a:shade val="60000"/>
+      </a:schemeClr>
+    </dgm:linClrLst>
+    <dgm:effectClrLst/>
+    <dgm:txLinClrLst/>
+    <dgm:txFillClrLst meth="repeat">
+      <a:schemeClr val="tx1"/>
+    </dgm:txFillClrLst>
+    <dgm:txEffectClrLst/>
+  </dgm:styleLbl>
+  <dgm:styleLbl name="parChTrans1D2">
+    <dgm:fillClrLst meth="repeat">
+      <a:schemeClr val="accent1"/>
+    </dgm:fillClrLst>
+    <dgm:linClrLst meth="repeat">
+      <a:schemeClr val="accent1">
+        <a:shade val="60000"/>
+      </a:schemeClr>
+    </dgm:linClrLst>
+    <dgm:effectClrLst/>
+    <dgm:txLinClrLst/>
+    <dgm:txFillClrLst meth="repeat">
+      <a:schemeClr val="tx1"/>
+    </dgm:txFillClrLst>
+    <dgm:txEffectClrLst/>
+  </dgm:styleLbl>
+  <dgm:styleLbl name="parChTrans1D3">
+    <dgm:fillClrLst meth="repeat">
+      <a:schemeClr val="accent1"/>
+    </dgm:fillClrLst>
+    <dgm:linClrLst meth="repeat">
+      <a:schemeClr val="accent1">
+        <a:shade val="80000"/>
+      </a:schemeClr>
+    </dgm:linClrLst>
+    <dgm:effectClrLst/>
+    <dgm:txLinClrLst/>
+    <dgm:txFillClrLst meth="repeat">
+      <a:schemeClr val="tx1"/>
+    </dgm:txFillClrLst>
+    <dgm:txEffectClrLst/>
+  </dgm:styleLbl>
+  <dgm:styleLbl name="parChTrans1D4">
+    <dgm:fillClrLst meth="repeat">
+      <a:schemeClr val="accent1"/>
+    </dgm:fillClrLst>
+    <dgm:linClrLst meth="repeat">
+      <a:schemeClr val="accent1">
+        <a:shade val="80000"/>
+      </a:schemeClr>
+    </dgm:linClrLst>
+    <dgm:effectClrLst/>
+    <dgm:txLinClrLst/>
+    <dgm:txFillClrLst meth="repeat">
+      <a:schemeClr val="tx1"/>
+    </dgm:txFillClrLst>
+    <dgm:txEffectClrLst/>
+  </dgm:styleLbl>
+  <dgm:styleLbl name="fgAcc1">
+    <dgm:fillClrLst meth="repeat">
+      <a:schemeClr val="lt1">
+        <a:alpha val="90000"/>
+      </a:schemeClr>
+    </dgm:fillClrLst>
+    <dgm:linClrLst meth="repeat">
+      <a:schemeClr val="accent1"/>
+    </dgm:linClrLst>
+    <dgm:effectClrLst/>
+    <dgm:txLinClrLst/>
+    <dgm:txFillClrLst meth="repeat">
+      <a:schemeClr val="dk1"/>
+    </dgm:txFillClrLst>
+    <dgm:txEffectClrLst/>
+  </dgm:styleLbl>
+  <dgm:styleLbl name="conFgAcc1">
+    <dgm:fillClrLst meth="repeat">
+      <a:schemeClr val="lt1">
+        <a:alpha val="90000"/>
+      </a:schemeClr>
+    </dgm:fillClrLst>
+    <dgm:linClrLst meth="repeat">
+      <a:schemeClr val="accent1"/>
+    </dgm:linClrLst>
+    <dgm:effectClrLst/>
+    <dgm:txLinClrLst/>
+    <dgm:txFillClrLst meth="repeat">
+      <a:schemeClr val="dk1"/>
+    </dgm:txFillClrLst>
+    <dgm:txEffectClrLst/>
+  </dgm:styleLbl>
+  <dgm:styleLbl name="alignAcc1">
+    <dgm:fillClrLst meth="repeat">
+      <a:schemeClr val="lt1">
+        <a:alpha val="90000"/>
+      </a:schemeClr>
+    </dgm:fillClrLst>
+    <dgm:linClrLst meth="repeat">
+      <a:schemeClr val="accent1"/>
+    </dgm:linClrLst>
+    <dgm:effectClrLst/>
+    <dgm:txLinClrLst/>
+    <dgm:txFillClrLst meth="repeat">
+      <a:schemeClr val="dk1"/>
+    </dgm:txFillClrLst>
+    <dgm:txEffectClrLst/>
+  </dgm:styleLbl>
+  <dgm:styleLbl name="trAlignAcc1">
+    <dgm:fillClrLst meth="repeat">
+      <a:schemeClr val="lt1">
+        <a:alpha val="40000"/>
+      </a:schemeClr>
+    </dgm:fillClrLst>
+    <dgm:linClrLst meth="repeat">
+      <a:schemeClr val="accent1"/>
+    </dgm:linClrLst>
+    <dgm:effectClrLst/>
+    <dgm:txLinClrLst/>
+    <dgm:txFillClrLst meth="repeat">
+      <a:schemeClr val="dk1"/>
+    </dgm:txFillClrLst>
+    <dgm:txEffectClrLst/>
+  </dgm:styleLbl>
+  <dgm:styleLbl name="bgAcc1">
+    <dgm:fillClrLst meth="repeat">
+      <a:schemeClr val="lt1">
+        <a:alpha val="90000"/>
+      </a:schemeClr>
+    </dgm:fillClrLst>
+    <dgm:linClrLst meth="repeat">
+      <a:schemeClr val="accent1"/>
+    </dgm:linClrLst>
+    <dgm:effectClrLst/>
+    <dgm:txLinClrLst/>
+    <dgm:txFillClrLst meth="repeat">
+      <a:schemeClr val="dk1"/>
+    </dgm:txFillClrLst>
+    <dgm:txEffectClrLst/>
+  </dgm:styleLbl>
+  <dgm:styleLbl name="solidFgAcc1">
+    <dgm:fillClrLst meth="repeat">
+      <a:schemeClr val="lt1"/>
+    </dgm:fillClrLst>
+    <dgm:linClrLst meth="repeat">
+      <a:schemeClr val="accent1"/>
+    </dgm:linClrLst>
+    <dgm:effectClrLst/>
+    <dgm:txLinClrLst/>
+    <dgm:txFillClrLst meth="repeat">
+      <a:schemeClr val="dk1"/>
+    </dgm:txFillClrLst>
+    <dgm:txEffectClrLst/>
+  </dgm:styleLbl>
+  <dgm:styleLbl name="solidAlignAcc1">
+    <dgm:fillClrLst meth="repeat">
+      <a:schemeClr val="lt1"/>
+    </dgm:fillClrLst>
+    <dgm:linClrLst meth="repeat">
+      <a:schemeClr val="accent1"/>
+    </dgm:linClrLst>
+    <dgm:effectClrLst/>
+    <dgm:txLinClrLst/>
+    <dgm:txFillClrLst meth="repeat">
+      <a:schemeClr val="dk1"/>
+    </dgm:txFillClrLst>
+    <dgm:txEffectClrLst/>
+  </dgm:styleLbl>
+  <dgm:styleLbl name="solidBgAcc1">
+    <dgm:fillClrLst meth="repeat">
+      <a:schemeClr val="lt1"/>
+    </dgm:fillClrLst>
+    <dgm:linClrLst meth="repeat">
+      <a:schemeClr val="accent1"/>
+    </dgm:linClrLst>
+    <dgm:effectClrLst/>
+    <dgm:txLinClrLst/>
+    <dgm:txFillClrLst meth="repeat">
+      <a:schemeClr val="dk1"/>
+    </dgm:txFillClrLst>
+    <dgm:txEffectClrLst/>
+  </dgm:styleLbl>
+  <dgm:styleLbl name="fgAccFollowNode1">
+    <dgm:fillClrLst meth="repeat">
+      <a:schemeClr val="accent1">
+        <a:alpha val="90000"/>
+        <a:tint val="40000"/>
+      </a:schemeClr>
+    </dgm:fillClrLst>
+    <dgm:linClrLst meth="repeat">
+      <a:schemeClr val="accent1">
+        <a:alpha val="90000"/>
+        <a:tint val="40000"/>
+      </a:schemeClr>
+    </dgm:linClrLst>
+    <dgm:effectClrLst/>
+    <dgm:txLinClrLst/>
+    <dgm:txFillClrLst meth="repeat">
+      <a:schemeClr val="dk1"/>
+    </dgm:txFillClrLst>
+    <dgm:txEffectClrLst/>
+  </dgm:styleLbl>
+  <dgm:styleLbl name="alignAccFollowNode1">
+    <dgm:fillClrLst meth="repeat">
+      <a:schemeClr val="accent1">
+        <a:alpha val="90000"/>
+        <a:tint val="40000"/>
+      </a:schemeClr>
+    </dgm:fillClrLst>
+    <dgm:linClrLst meth="repeat">
+      <a:schemeClr val="accent1">
+        <a:alpha val="90000"/>
+        <a:tint val="40000"/>
+      </a:schemeClr>
+    </dgm:linClrLst>
+    <dgm:effectClrLst/>
+    <dgm:txLinClrLst/>
+    <dgm:txFillClrLst meth="repeat">
+      <a:schemeClr val="dk1"/>
+    </dgm:txFillClrLst>
+    <dgm:txEffectClrLst/>
+  </dgm:styleLbl>
+  <dgm:styleLbl name="bgAccFollowNode1">
+    <dgm:fillClrLst meth="repeat">
+      <a:schemeClr val="accent1">
+        <a:alpha val="90000"/>
+        <a:tint val="40000"/>
+      </a:schemeClr>
+    </dgm:fillClrLst>
+    <dgm:linClrLst meth="repeat">
+      <a:schemeClr val="accent1">
+        <a:alpha val="90000"/>
+        <a:tint val="40000"/>
+      </a:schemeClr>
+    </dgm:linClrLst>
+    <dgm:effectClrLst/>
+    <dgm:txLinClrLst/>
+    <dgm:txFillClrLst meth="repeat">
+      <a:schemeClr val="dk1"/>
+    </dgm:txFillClrLst>
+    <dgm:txEffectClrLst/>
+  </dgm:styleLbl>
+  <dgm:styleLbl name="fgAcc0">
+    <dgm:fillClrLst meth="repeat">
+      <a:schemeClr val="lt1">
+        <a:alpha val="90000"/>
+      </a:schemeClr>
+    </dgm:fillClrLst>
+    <dgm:linClrLst meth="repeat">
+      <a:schemeClr val="accent1"/>
+    </dgm:linClrLst>
+    <dgm:effectClrLst/>
+    <dgm:txLinClrLst/>
+    <dgm:txFillClrLst meth="repeat">
+      <a:schemeClr val="dk1"/>
+    </dgm:txFillClrLst>
+    <dgm:txEffectClrLst/>
+  </dgm:styleLbl>
+  <dgm:styleLbl name="fgAcc2">
+    <dgm:fillClrLst meth="repeat">
+      <a:schemeClr val="lt1">
+        <a:alpha val="90000"/>
+      </a:schemeClr>
+    </dgm:fillClrLst>
+    <dgm:linClrLst meth="repeat">
+      <a:schemeClr val="accent1"/>
+    </dgm:linClrLst>
+    <dgm:effectClrLst/>
+    <dgm:txLinClrLst/>
+    <dgm:txFillClrLst meth="repeat">
+      <a:schemeClr val="dk1"/>
+    </dgm:txFillClrLst>
+    <dgm:txEffectClrLst/>
+  </dgm:styleLbl>
+  <dgm:styleLbl name="fgAcc3">
+    <dgm:fillClrLst meth="repeat">
+      <a:schemeClr val="lt1">
+        <a:alpha val="90000"/>
+      </a:schemeClr>
+    </dgm:fillClrLst>
+    <dgm:linClrLst meth="repeat">
+      <a:schemeClr val="accent1"/>
+    </dgm:linClrLst>
+    <dgm:effectClrLst/>
+    <dgm:txLinClrLst/>
+    <dgm:txFillClrLst meth="repeat">
+      <a:schemeClr val="dk1"/>
+    </dgm:txFillClrLst>
+    <dgm:txEffectClrLst/>
+  </dgm:styleLbl>
+  <dgm:styleLbl name="fgAcc4">
+    <dgm:fillClrLst meth="repeat">
+      <a:schemeClr val="lt1">
+        <a:alpha val="90000"/>
+      </a:schemeClr>
+    </dgm:fillClrLst>
+    <dgm:linClrLst meth="repeat">
+      <a:schemeClr val="accent1"/>
+    </dgm:linClrLst>
+    <dgm:effectClrLst/>
+    <dgm:txLinClrLst/>
+    <dgm:txFillClrLst meth="repeat">
+      <a:schemeClr val="dk1"/>
+    </dgm:txFillClrLst>
+    <dgm:txEffectClrLst/>
+  </dgm:styleLbl>
+  <dgm:styleLbl name="bgShp">
+    <dgm:fillClrLst meth="repeat">
+      <a:schemeClr val="accent1">
+        <a:tint val="40000"/>
+      </a:schemeClr>
+    </dgm:fillClrLst>
+    <dgm:linClrLst meth="repeat">
+      <a:schemeClr val="accent1"/>
+    </dgm:linClrLst>
+    <dgm:effectClrLst/>
+    <dgm:txLinClrLst/>
+    <dgm:txFillClrLst meth="repeat">
+      <a:schemeClr val="dk1"/>
+    </dgm:txFillClrLst>
+    <dgm:txEffectClrLst/>
+  </dgm:styleLbl>
+  <dgm:styleLbl name="dkBgShp">
+    <dgm:fillClrLst meth="repeat">
+      <a:schemeClr val="accent1">
+        <a:shade val="80000"/>
+      </a:schemeClr>
+    </dgm:fillClrLst>
+    <dgm:linClrLst meth="repeat">
+      <a:schemeClr val="accent1"/>
+    </dgm:linClrLst>
+    <dgm:effectClrLst/>
+    <dgm:txLinClrLst/>
+    <dgm:txFillClrLst meth="repeat">
+      <a:schemeClr val="lt1"/>
+    </dgm:txFillClrLst>
+    <dgm:txEffectClrLst/>
+  </dgm:styleLbl>
+  <dgm:styleLbl name="trBgShp">
+    <dgm:fillClrLst meth="repeat">
+      <a:schemeClr val="accent1">
+        <a:tint val="50000"/>
+        <a:alpha val="40000"/>
+      </a:schemeClr>
+    </dgm:fillClrLst>
+    <dgm:linClrLst meth="repeat">
+      <a:schemeClr val="accent1"/>
+    </dgm:linClrLst>
+    <dgm:effectClrLst/>
+    <dgm:txLinClrLst/>
+    <dgm:txFillClrLst meth="repeat">
+      <a:schemeClr val="lt1"/>
+    </dgm:txFillClrLst>
+    <dgm:txEffectClrLst/>
+  </dgm:styleLbl>
+  <dgm:styleLbl name="fgShp">
+    <dgm:fillClrLst meth="repeat">
+      <a:schemeClr val="accent1">
+        <a:tint val="60000"/>
+      </a:schemeClr>
+    </dgm:fillClrLst>
+    <dgm:linClrLst meth="repeat">
+      <a:schemeClr val="lt1"/>
+    </dgm:linClrLst>
+    <dgm:effectClrLst/>
+    <dgm:txLinClrLst/>
+    <dgm:txFillClrLst meth="repeat">
+      <a:schemeClr val="dk1"/>
+    </dgm:txFillClrLst>
+    <dgm:txEffectClrLst/>
+  </dgm:styleLbl>
+  <dgm:styleLbl name="revTx">
+    <dgm:fillClrLst meth="repeat">
+      <a:schemeClr val="lt1">
+        <a:alpha val="0"/>
+      </a:schemeClr>
+    </dgm:fillClrLst>
+    <dgm:linClrLst meth="repeat">
+      <a:schemeClr val="dk1">
+        <a:alpha val="0"/>
+      </a:schemeClr>
+    </dgm:linClrLst>
+    <dgm:effectClrLst/>
+    <dgm:txLinClrLst/>
+    <dgm:txFillClrLst meth="repeat">
+      <a:schemeClr val="tx1"/>
+    </dgm:txFillClrLst>
+    <dgm:txEffectClrLst/>
+  </dgm:styleLbl>
+</dgm:colorsDef>
+</file>
+
+<file path=ppt/diagrams/data1.xml><?xml version="1.0" encoding="utf-8"?>
+<dgm:dataModel xmlns:dgm="http://schemas.openxmlformats.org/drawingml/2006/diagram" xmlns:a="http://schemas.openxmlformats.org/drawingml/2006/main">
+  <dgm:ptLst>
+    <dgm:pt modelId="{0304EC9A-9A48-43A8-A543-205FD5DB7C12}" type="doc">
+      <dgm:prSet loTypeId="urn:microsoft.com/office/officeart/2005/8/layout/hierarchy3" loCatId="list" qsTypeId="urn:microsoft.com/office/officeart/2005/8/quickstyle/simple1" qsCatId="simple" csTypeId="urn:microsoft.com/office/officeart/2005/8/colors/accent1_2" csCatId="accent1" phldr="1"/>
+      <dgm:spPr/>
+    </dgm:pt>
+    <dgm:pt modelId="{296FB520-AB6B-4453-859E-1C9D75B41781}">
+      <dgm:prSet phldrT="[Text]"/>
+      <dgm:spPr/>
+      <dgm:t>
+        <a:bodyPr/>
+        <a:lstStyle/>
+        <a:p>
+          <a:r>
+            <a:rPr lang="en-US" dirty="0" smtClean="0"/>
+            <a:t>FER – 2013 Dataset with 7 emotion types</a:t>
+          </a:r>
+          <a:endParaRPr lang="en-US" dirty="0"/>
+        </a:p>
+      </dgm:t>
+    </dgm:pt>
+    <dgm:pt modelId="{F4C7668E-AA11-4233-826F-96A5BEF2756B}" type="parTrans" cxnId="{1B5F59D4-7458-44A4-A3A0-48E9D967D817}">
+      <dgm:prSet/>
+      <dgm:spPr/>
+      <dgm:t>
+        <a:bodyPr/>
+        <a:lstStyle/>
+        <a:p>
+          <a:endParaRPr lang="en-US"/>
+        </a:p>
+      </dgm:t>
+    </dgm:pt>
+    <dgm:pt modelId="{70679787-32D0-460F-9668-139A34500028}" type="sibTrans" cxnId="{1B5F59D4-7458-44A4-A3A0-48E9D967D817}">
+      <dgm:prSet/>
+      <dgm:spPr/>
+      <dgm:t>
+        <a:bodyPr/>
+        <a:lstStyle/>
+        <a:p>
+          <a:endParaRPr lang="en-US"/>
+        </a:p>
+      </dgm:t>
+    </dgm:pt>
+    <dgm:pt modelId="{DB846C1C-1661-4820-B302-1CDFCE1F5ADE}">
+      <dgm:prSet phldrT="[Text]"/>
+      <dgm:spPr/>
+      <dgm:t>
+        <a:bodyPr/>
+        <a:lstStyle/>
+        <a:p>
+          <a:r>
+            <a:rPr lang="en-US" dirty="0" smtClean="0"/>
+            <a:t>CNN with Genetic Algorithm Optimizer</a:t>
+          </a:r>
+          <a:endParaRPr lang="en-US" dirty="0"/>
+        </a:p>
+      </dgm:t>
+    </dgm:pt>
+    <dgm:pt modelId="{C76F3A06-4EBF-4091-A36B-7679CE3C0650}" type="sibTrans" cxnId="{5BD87893-F5E6-4B93-B956-934B884E23B5}">
+      <dgm:prSet/>
+      <dgm:spPr/>
+      <dgm:t>
+        <a:bodyPr/>
+        <a:lstStyle/>
+        <a:p>
+          <a:endParaRPr lang="en-US"/>
+        </a:p>
+      </dgm:t>
+    </dgm:pt>
+    <dgm:pt modelId="{A800DA7B-EA96-42A3-BEB4-E9D283E452B4}" type="parTrans" cxnId="{5BD87893-F5E6-4B93-B956-934B884E23B5}">
+      <dgm:prSet/>
+      <dgm:spPr/>
+      <dgm:t>
+        <a:bodyPr/>
+        <a:lstStyle/>
+        <a:p>
+          <a:endParaRPr lang="en-US"/>
+        </a:p>
+      </dgm:t>
+    </dgm:pt>
+    <dgm:pt modelId="{369D2B51-B667-4857-8B6F-D702A8193337}">
+      <dgm:prSet phldrT="[Text]"/>
+      <dgm:spPr/>
+      <dgm:t>
+        <a:bodyPr/>
+        <a:lstStyle/>
+        <a:p>
+          <a:r>
+            <a:rPr lang="en-US" dirty="0" smtClean="0"/>
+            <a:t>Django Web App</a:t>
+          </a:r>
+          <a:endParaRPr lang="en-US" dirty="0"/>
+        </a:p>
+      </dgm:t>
+    </dgm:pt>
+    <dgm:pt modelId="{3F251AF7-07C5-4305-9D6C-F1097BC3B832}" type="sibTrans" cxnId="{D9527F75-7E1F-4543-A3F9-EB9A4A7E87D5}">
+      <dgm:prSet/>
+      <dgm:spPr/>
+      <dgm:t>
+        <a:bodyPr/>
+        <a:lstStyle/>
+        <a:p>
+          <a:endParaRPr lang="en-US"/>
+        </a:p>
+      </dgm:t>
+    </dgm:pt>
+    <dgm:pt modelId="{E9FE8F36-51EF-4A44-AEF7-426C815055EF}" type="parTrans" cxnId="{D9527F75-7E1F-4543-A3F9-EB9A4A7E87D5}">
+      <dgm:prSet/>
+      <dgm:spPr/>
+      <dgm:t>
+        <a:bodyPr/>
+        <a:lstStyle/>
+        <a:p>
+          <a:endParaRPr lang="en-US"/>
+        </a:p>
+      </dgm:t>
+    </dgm:pt>
+    <dgm:pt modelId="{CF3C7A12-341E-423C-8477-620A59FE7FEA}">
+      <dgm:prSet/>
+      <dgm:spPr/>
+      <dgm:t>
+        <a:bodyPr/>
+        <a:lstStyle/>
+        <a:p>
+          <a:r>
+            <a:rPr lang="en-US" dirty="0" smtClean="0"/>
+            <a:t>Data Visualization</a:t>
+          </a:r>
+          <a:endParaRPr lang="en-US" dirty="0"/>
+        </a:p>
+      </dgm:t>
+    </dgm:pt>
+    <dgm:pt modelId="{949E4B57-5289-4794-8667-18632458F41C}" type="parTrans" cxnId="{98938FA6-8B93-4CC0-8F61-176A0B8D0016}">
+      <dgm:prSet/>
+      <dgm:spPr/>
+      <dgm:t>
+        <a:bodyPr/>
+        <a:lstStyle/>
+        <a:p>
+          <a:endParaRPr lang="en-US"/>
+        </a:p>
+      </dgm:t>
+    </dgm:pt>
+    <dgm:pt modelId="{C063AE3F-D712-4116-B7A5-379C230E66B9}" type="sibTrans" cxnId="{98938FA6-8B93-4CC0-8F61-176A0B8D0016}">
+      <dgm:prSet/>
+      <dgm:spPr/>
+      <dgm:t>
+        <a:bodyPr/>
+        <a:lstStyle/>
+        <a:p>
+          <a:endParaRPr lang="en-US"/>
+        </a:p>
+      </dgm:t>
+    </dgm:pt>
+    <dgm:pt modelId="{452560D1-50D0-48F8-8B74-215293BE263B}">
+      <dgm:prSet/>
+      <dgm:spPr/>
+      <dgm:t>
+        <a:bodyPr/>
+        <a:lstStyle/>
+        <a:p>
+          <a:r>
+            <a:rPr lang="en-US" dirty="0" smtClean="0"/>
+            <a:t>Input: Image</a:t>
+          </a:r>
+        </a:p>
+        <a:p>
+          <a:r>
+            <a:rPr lang="en-US" dirty="0" smtClean="0"/>
+            <a:t>Output: Classification &amp; Confidence</a:t>
+          </a:r>
+          <a:endParaRPr lang="en-US" dirty="0"/>
+        </a:p>
+      </dgm:t>
+    </dgm:pt>
+    <dgm:pt modelId="{4060848D-B16F-4907-9B15-3DA3C1DEC052}" type="parTrans" cxnId="{B0CF46E4-7F4E-4EF7-BB81-8FCD1E43224B}">
+      <dgm:prSet/>
+      <dgm:spPr/>
+      <dgm:t>
+        <a:bodyPr/>
+        <a:lstStyle/>
+        <a:p>
+          <a:endParaRPr lang="en-US"/>
+        </a:p>
+      </dgm:t>
+    </dgm:pt>
+    <dgm:pt modelId="{3E4E878B-D591-42A0-8F6D-DF98325F882B}" type="sibTrans" cxnId="{B0CF46E4-7F4E-4EF7-BB81-8FCD1E43224B}">
+      <dgm:prSet/>
+      <dgm:spPr/>
+      <dgm:t>
+        <a:bodyPr/>
+        <a:lstStyle/>
+        <a:p>
+          <a:endParaRPr lang="en-US"/>
+        </a:p>
+      </dgm:t>
+    </dgm:pt>
+    <dgm:pt modelId="{4D181B31-7AE7-4DE7-AEC8-9A5AE2F5FF9C}">
+      <dgm:prSet/>
+      <dgm:spPr/>
+      <dgm:t>
+        <a:bodyPr/>
+        <a:lstStyle/>
+        <a:p>
+          <a:r>
+            <a:rPr lang="en-US" dirty="0" smtClean="0"/>
+            <a:t>Stretch Goal:</a:t>
+          </a:r>
+        </a:p>
+        <a:p>
+          <a:r>
+            <a:rPr lang="en-US" dirty="0" smtClean="0"/>
+            <a:t>Input: Camera Capture</a:t>
+          </a:r>
+          <a:endParaRPr lang="en-US" dirty="0"/>
+        </a:p>
+      </dgm:t>
+    </dgm:pt>
+    <dgm:pt modelId="{AA44C9A3-94A2-402C-90AE-18DD46092626}" type="parTrans" cxnId="{C631517C-C75A-4619-A78C-D0579D82E1C3}">
+      <dgm:prSet/>
+      <dgm:spPr/>
+      <dgm:t>
+        <a:bodyPr/>
+        <a:lstStyle/>
+        <a:p>
+          <a:endParaRPr lang="en-US"/>
+        </a:p>
+      </dgm:t>
+    </dgm:pt>
+    <dgm:pt modelId="{ACAB38D0-79C1-4BC0-BBEE-7CD59384C3AB}" type="sibTrans" cxnId="{C631517C-C75A-4619-A78C-D0579D82E1C3}">
+      <dgm:prSet/>
+      <dgm:spPr/>
+      <dgm:t>
+        <a:bodyPr/>
+        <a:lstStyle/>
+        <a:p>
+          <a:endParaRPr lang="en-US"/>
+        </a:p>
+      </dgm:t>
+    </dgm:pt>
+    <dgm:pt modelId="{D5125150-9324-4307-BA33-0956CE4DCC4B}">
+      <dgm:prSet/>
+      <dgm:spPr/>
+      <dgm:t>
+        <a:bodyPr/>
+        <a:lstStyle/>
+        <a:p>
+          <a:r>
+            <a:rPr lang="en-US" dirty="0" smtClean="0"/>
+            <a:t>Public domain license. Retrieved from Kaggle.com</a:t>
+          </a:r>
+          <a:endParaRPr lang="en-US" dirty="0"/>
+        </a:p>
+      </dgm:t>
+    </dgm:pt>
+    <dgm:pt modelId="{422B15BA-02F0-467D-B3D6-F385021C2EBF}" type="sibTrans" cxnId="{521AA890-0CC2-45C2-BBC8-0A7FD9C3A30F}">
+      <dgm:prSet/>
+      <dgm:spPr/>
+      <dgm:t>
+        <a:bodyPr/>
+        <a:lstStyle/>
+        <a:p>
+          <a:endParaRPr lang="en-US"/>
+        </a:p>
+      </dgm:t>
+    </dgm:pt>
+    <dgm:pt modelId="{41478B3B-9F9C-489C-9C41-91084A693AD3}" type="parTrans" cxnId="{521AA890-0CC2-45C2-BBC8-0A7FD9C3A30F}">
+      <dgm:prSet/>
+      <dgm:spPr/>
+      <dgm:t>
+        <a:bodyPr/>
+        <a:lstStyle/>
+        <a:p>
+          <a:endParaRPr lang="en-US"/>
+        </a:p>
+      </dgm:t>
+    </dgm:pt>
+    <dgm:pt modelId="{4BD25DB8-45C0-46FA-9420-1C7CB8F9E81C}">
+      <dgm:prSet/>
+      <dgm:spPr/>
+      <dgm:t>
+        <a:bodyPr/>
+        <a:lstStyle/>
+        <a:p>
+          <a:r>
+            <a:rPr lang="en-US" dirty="0" err="1" smtClean="0"/>
+            <a:t>Hyperparameter</a:t>
+          </a:r>
+          <a:r>
+            <a:rPr lang="en-US" dirty="0" smtClean="0"/>
+            <a:t> override for machine tuning</a:t>
+          </a:r>
+          <a:endParaRPr lang="en-US" dirty="0"/>
+        </a:p>
+      </dgm:t>
+    </dgm:pt>
+    <dgm:pt modelId="{0C70C9AE-CB28-4DA3-9B25-45EE1504E20E}" type="parTrans" cxnId="{E5B99AAD-AD8A-4CF4-9E6A-DDD6E415C558}">
+      <dgm:prSet/>
+      <dgm:spPr/>
+      <dgm:t>
+        <a:bodyPr/>
+        <a:lstStyle/>
+        <a:p>
+          <a:endParaRPr lang="en-US"/>
+        </a:p>
+      </dgm:t>
+    </dgm:pt>
+    <dgm:pt modelId="{7A57DEE8-B7ED-4B7E-B701-E2DFAB8065A8}" type="sibTrans" cxnId="{E5B99AAD-AD8A-4CF4-9E6A-DDD6E415C558}">
+      <dgm:prSet/>
+      <dgm:spPr/>
+      <dgm:t>
+        <a:bodyPr/>
+        <a:lstStyle/>
+        <a:p>
+          <a:endParaRPr lang="en-US"/>
+        </a:p>
+      </dgm:t>
+    </dgm:pt>
+    <dgm:pt modelId="{EDE61F6A-867E-4FED-B43E-E336BFB7EE88}" type="pres">
+      <dgm:prSet presAssocID="{0304EC9A-9A48-43A8-A543-205FD5DB7C12}" presName="diagram" presStyleCnt="0">
+        <dgm:presLayoutVars>
+          <dgm:chPref val="1"/>
+          <dgm:dir/>
+          <dgm:animOne val="branch"/>
+          <dgm:animLvl val="lvl"/>
+          <dgm:resizeHandles/>
+        </dgm:presLayoutVars>
+      </dgm:prSet>
+      <dgm:spPr/>
+    </dgm:pt>
+    <dgm:pt modelId="{87E60B81-66A8-4182-A86C-290925D56456}" type="pres">
+      <dgm:prSet presAssocID="{296FB520-AB6B-4453-859E-1C9D75B41781}" presName="root" presStyleCnt="0"/>
+      <dgm:spPr/>
+    </dgm:pt>
+    <dgm:pt modelId="{A9683218-1F71-4613-93C4-7D50BE04E738}" type="pres">
+      <dgm:prSet presAssocID="{296FB520-AB6B-4453-859E-1C9D75B41781}" presName="rootComposite" presStyleCnt="0"/>
+      <dgm:spPr/>
+    </dgm:pt>
+    <dgm:pt modelId="{E143A6E4-7CF5-4F7E-861E-05E9B3CE1AE3}" type="pres">
+      <dgm:prSet presAssocID="{296FB520-AB6B-4453-859E-1C9D75B41781}" presName="rootText" presStyleLbl="node1" presStyleIdx="0" presStyleCnt="3"/>
+      <dgm:spPr/>
+    </dgm:pt>
+    <dgm:pt modelId="{A0CFCDCB-D57B-477C-902C-C858E76D66E8}" type="pres">
+      <dgm:prSet presAssocID="{296FB520-AB6B-4453-859E-1C9D75B41781}" presName="rootConnector" presStyleLbl="node1" presStyleIdx="0" presStyleCnt="3"/>
+      <dgm:spPr/>
+    </dgm:pt>
+    <dgm:pt modelId="{3832BC3B-51B7-4920-85EB-295054E0ED23}" type="pres">
+      <dgm:prSet presAssocID="{296FB520-AB6B-4453-859E-1C9D75B41781}" presName="childShape" presStyleCnt="0"/>
+      <dgm:spPr/>
+    </dgm:pt>
+    <dgm:pt modelId="{84138F64-C0C5-4E54-9FDC-CCB4F0290274}" type="pres">
+      <dgm:prSet presAssocID="{41478B3B-9F9C-489C-9C41-91084A693AD3}" presName="Name13" presStyleLbl="parChTrans1D2" presStyleIdx="0" presStyleCnt="5"/>
+      <dgm:spPr/>
+    </dgm:pt>
+    <dgm:pt modelId="{80829FBF-F24D-4186-8A4F-2C9576FE2279}" type="pres">
+      <dgm:prSet presAssocID="{D5125150-9324-4307-BA33-0956CE4DCC4B}" presName="childText" presStyleLbl="bgAcc1" presStyleIdx="0" presStyleCnt="5">
+        <dgm:presLayoutVars>
+          <dgm:bulletEnabled val="1"/>
+        </dgm:presLayoutVars>
+      </dgm:prSet>
+      <dgm:spPr/>
+      <dgm:t>
+        <a:bodyPr/>
+        <a:lstStyle/>
+        <a:p>
+          <a:endParaRPr lang="en-US"/>
+        </a:p>
+      </dgm:t>
+    </dgm:pt>
+    <dgm:pt modelId="{665BCAEB-FA74-41E5-A1B5-7DB9D467EB7D}" type="pres">
+      <dgm:prSet presAssocID="{DB846C1C-1661-4820-B302-1CDFCE1F5ADE}" presName="root" presStyleCnt="0"/>
+      <dgm:spPr/>
+    </dgm:pt>
+    <dgm:pt modelId="{79189179-11D7-43DA-A2A7-0FADB2B2214F}" type="pres">
+      <dgm:prSet presAssocID="{DB846C1C-1661-4820-B302-1CDFCE1F5ADE}" presName="rootComposite" presStyleCnt="0"/>
+      <dgm:spPr/>
+    </dgm:pt>
+    <dgm:pt modelId="{951E62F0-BBBE-417D-B970-6E19E295F4BD}" type="pres">
+      <dgm:prSet presAssocID="{DB846C1C-1661-4820-B302-1CDFCE1F5ADE}" presName="rootText" presStyleLbl="node1" presStyleIdx="1" presStyleCnt="3"/>
+      <dgm:spPr/>
+    </dgm:pt>
+    <dgm:pt modelId="{A3326444-B6C8-47EE-9CF0-FEE31D457444}" type="pres">
+      <dgm:prSet presAssocID="{DB846C1C-1661-4820-B302-1CDFCE1F5ADE}" presName="rootConnector" presStyleLbl="node1" presStyleIdx="1" presStyleCnt="3"/>
+      <dgm:spPr/>
+    </dgm:pt>
+    <dgm:pt modelId="{AD5B07FB-2486-4D1D-B77D-F26198616FAC}" type="pres">
+      <dgm:prSet presAssocID="{DB846C1C-1661-4820-B302-1CDFCE1F5ADE}" presName="childShape" presStyleCnt="0"/>
+      <dgm:spPr/>
+    </dgm:pt>
+    <dgm:pt modelId="{AC5487B9-5530-442A-8F4F-672A27EF7CF0}" type="pres">
+      <dgm:prSet presAssocID="{949E4B57-5289-4794-8667-18632458F41C}" presName="Name13" presStyleLbl="parChTrans1D2" presStyleIdx="1" presStyleCnt="5"/>
+      <dgm:spPr/>
+    </dgm:pt>
+    <dgm:pt modelId="{BB9EE6EB-F6A8-4147-8A8B-0A10C7B94E84}" type="pres">
+      <dgm:prSet presAssocID="{CF3C7A12-341E-423C-8477-620A59FE7FEA}" presName="childText" presStyleLbl="bgAcc1" presStyleIdx="1" presStyleCnt="5">
+        <dgm:presLayoutVars>
+          <dgm:bulletEnabled val="1"/>
+        </dgm:presLayoutVars>
+      </dgm:prSet>
+      <dgm:spPr/>
+    </dgm:pt>
+    <dgm:pt modelId="{D2ED62DB-9317-4D85-9C33-3EAE462D8DD7}" type="pres">
+      <dgm:prSet presAssocID="{0C70C9AE-CB28-4DA3-9B25-45EE1504E20E}" presName="Name13" presStyleLbl="parChTrans1D2" presStyleIdx="2" presStyleCnt="5"/>
+      <dgm:spPr/>
+    </dgm:pt>
+    <dgm:pt modelId="{9D476B22-861B-4A7C-8788-C6A5F1341F06}" type="pres">
+      <dgm:prSet presAssocID="{4BD25DB8-45C0-46FA-9420-1C7CB8F9E81C}" presName="childText" presStyleLbl="bgAcc1" presStyleIdx="2" presStyleCnt="5">
+        <dgm:presLayoutVars>
+          <dgm:bulletEnabled val="1"/>
+        </dgm:presLayoutVars>
+      </dgm:prSet>
+      <dgm:spPr/>
+    </dgm:pt>
+    <dgm:pt modelId="{E8554F47-4051-46EF-8717-55D85C89DA38}" type="pres">
+      <dgm:prSet presAssocID="{369D2B51-B667-4857-8B6F-D702A8193337}" presName="root" presStyleCnt="0"/>
+      <dgm:spPr/>
+    </dgm:pt>
+    <dgm:pt modelId="{F6FFD54B-8970-462C-970C-77CC43B7C99D}" type="pres">
+      <dgm:prSet presAssocID="{369D2B51-B667-4857-8B6F-D702A8193337}" presName="rootComposite" presStyleCnt="0"/>
+      <dgm:spPr/>
+    </dgm:pt>
+    <dgm:pt modelId="{D61EB8ED-C24C-4E2B-9323-E2E5D0C9745D}" type="pres">
+      <dgm:prSet presAssocID="{369D2B51-B667-4857-8B6F-D702A8193337}" presName="rootText" presStyleLbl="node1" presStyleIdx="2" presStyleCnt="3"/>
+      <dgm:spPr/>
+    </dgm:pt>
+    <dgm:pt modelId="{CAAED72E-5CB3-4A2C-954C-C34C21EF9466}" type="pres">
+      <dgm:prSet presAssocID="{369D2B51-B667-4857-8B6F-D702A8193337}" presName="rootConnector" presStyleLbl="node1" presStyleIdx="2" presStyleCnt="3"/>
+      <dgm:spPr/>
+    </dgm:pt>
+    <dgm:pt modelId="{499D219F-EDCF-4D1E-9305-E33B7858ABF4}" type="pres">
+      <dgm:prSet presAssocID="{369D2B51-B667-4857-8B6F-D702A8193337}" presName="childShape" presStyleCnt="0"/>
+      <dgm:spPr/>
+    </dgm:pt>
+    <dgm:pt modelId="{6122B4D8-A7B7-418D-AE8B-A6F3F715783D}" type="pres">
+      <dgm:prSet presAssocID="{4060848D-B16F-4907-9B15-3DA3C1DEC052}" presName="Name13" presStyleLbl="parChTrans1D2" presStyleIdx="3" presStyleCnt="5"/>
+      <dgm:spPr/>
+    </dgm:pt>
+    <dgm:pt modelId="{A84666DA-4714-4DE6-8E70-EA455F297386}" type="pres">
+      <dgm:prSet presAssocID="{452560D1-50D0-48F8-8B74-215293BE263B}" presName="childText" presStyleLbl="bgAcc1" presStyleIdx="3" presStyleCnt="5">
+        <dgm:presLayoutVars>
+          <dgm:bulletEnabled val="1"/>
+        </dgm:presLayoutVars>
+      </dgm:prSet>
+      <dgm:spPr/>
+    </dgm:pt>
+    <dgm:pt modelId="{1271CF76-AE56-4ED1-A9A7-C512FDC8F19B}" type="pres">
+      <dgm:prSet presAssocID="{AA44C9A3-94A2-402C-90AE-18DD46092626}" presName="Name13" presStyleLbl="parChTrans1D2" presStyleIdx="4" presStyleCnt="5"/>
+      <dgm:spPr/>
+    </dgm:pt>
+    <dgm:pt modelId="{83D97631-6F2D-4CD3-9150-363ACF972244}" type="pres">
+      <dgm:prSet presAssocID="{4D181B31-7AE7-4DE7-AEC8-9A5AE2F5FF9C}" presName="childText" presStyleLbl="bgAcc1" presStyleIdx="4" presStyleCnt="5">
+        <dgm:presLayoutVars>
+          <dgm:bulletEnabled val="1"/>
+        </dgm:presLayoutVars>
+      </dgm:prSet>
+      <dgm:spPr/>
+      <dgm:t>
+        <a:bodyPr/>
+        <a:lstStyle/>
+        <a:p>
+          <a:endParaRPr lang="en-US"/>
+        </a:p>
+      </dgm:t>
+    </dgm:pt>
+  </dgm:ptLst>
+  <dgm:cxnLst>
+    <dgm:cxn modelId="{69D9BD38-7E02-4249-A576-DF69F7E6EC89}" type="presOf" srcId="{4D181B31-7AE7-4DE7-AEC8-9A5AE2F5FF9C}" destId="{83D97631-6F2D-4CD3-9150-363ACF972244}" srcOrd="0" destOrd="0" presId="urn:microsoft.com/office/officeart/2005/8/layout/hierarchy3"/>
+    <dgm:cxn modelId="{E7B37971-FDCF-47A5-9551-AF78C415C0FF}" type="presOf" srcId="{4BD25DB8-45C0-46FA-9420-1C7CB8F9E81C}" destId="{9D476B22-861B-4A7C-8788-C6A5F1341F06}" srcOrd="0" destOrd="0" presId="urn:microsoft.com/office/officeart/2005/8/layout/hierarchy3"/>
+    <dgm:cxn modelId="{36BDB3A1-1305-4082-852A-EA9C709CEE0E}" type="presOf" srcId="{4060848D-B16F-4907-9B15-3DA3C1DEC052}" destId="{6122B4D8-A7B7-418D-AE8B-A6F3F715783D}" srcOrd="0" destOrd="0" presId="urn:microsoft.com/office/officeart/2005/8/layout/hierarchy3"/>
+    <dgm:cxn modelId="{E7BB49E2-7EB1-4521-83C3-ADB7623E99B9}" type="presOf" srcId="{DB846C1C-1661-4820-B302-1CDFCE1F5ADE}" destId="{A3326444-B6C8-47EE-9CF0-FEE31D457444}" srcOrd="1" destOrd="0" presId="urn:microsoft.com/office/officeart/2005/8/layout/hierarchy3"/>
+    <dgm:cxn modelId="{706DB67E-6B0A-41BE-89B1-0EFC89A2224D}" type="presOf" srcId="{452560D1-50D0-48F8-8B74-215293BE263B}" destId="{A84666DA-4714-4DE6-8E70-EA455F297386}" srcOrd="0" destOrd="0" presId="urn:microsoft.com/office/officeart/2005/8/layout/hierarchy3"/>
+    <dgm:cxn modelId="{86D02F69-4B56-4DB2-9C22-09541B1C0EC8}" type="presOf" srcId="{369D2B51-B667-4857-8B6F-D702A8193337}" destId="{CAAED72E-5CB3-4A2C-954C-C34C21EF9466}" srcOrd="1" destOrd="0" presId="urn:microsoft.com/office/officeart/2005/8/layout/hierarchy3"/>
+    <dgm:cxn modelId="{D6C217EE-00A9-4CE0-BE86-3A781EE8AC50}" type="presOf" srcId="{949E4B57-5289-4794-8667-18632458F41C}" destId="{AC5487B9-5530-442A-8F4F-672A27EF7CF0}" srcOrd="0" destOrd="0" presId="urn:microsoft.com/office/officeart/2005/8/layout/hierarchy3"/>
+    <dgm:cxn modelId="{B0CF46E4-7F4E-4EF7-BB81-8FCD1E43224B}" srcId="{369D2B51-B667-4857-8B6F-D702A8193337}" destId="{452560D1-50D0-48F8-8B74-215293BE263B}" srcOrd="0" destOrd="0" parTransId="{4060848D-B16F-4907-9B15-3DA3C1DEC052}" sibTransId="{3E4E878B-D591-42A0-8F6D-DF98325F882B}"/>
+    <dgm:cxn modelId="{2B2DD84C-61CE-429E-B6DA-4C8BFA8A1EEB}" type="presOf" srcId="{CF3C7A12-341E-423C-8477-620A59FE7FEA}" destId="{BB9EE6EB-F6A8-4147-8A8B-0A10C7B94E84}" srcOrd="0" destOrd="0" presId="urn:microsoft.com/office/officeart/2005/8/layout/hierarchy3"/>
+    <dgm:cxn modelId="{3E7BE439-3033-4BFF-A074-6444D7D7169A}" type="presOf" srcId="{0C70C9AE-CB28-4DA3-9B25-45EE1504E20E}" destId="{D2ED62DB-9317-4D85-9C33-3EAE462D8DD7}" srcOrd="0" destOrd="0" presId="urn:microsoft.com/office/officeart/2005/8/layout/hierarchy3"/>
+    <dgm:cxn modelId="{5BD87893-F5E6-4B93-B956-934B884E23B5}" srcId="{0304EC9A-9A48-43A8-A543-205FD5DB7C12}" destId="{DB846C1C-1661-4820-B302-1CDFCE1F5ADE}" srcOrd="1" destOrd="0" parTransId="{A800DA7B-EA96-42A3-BEB4-E9D283E452B4}" sibTransId="{C76F3A06-4EBF-4091-A36B-7679CE3C0650}"/>
+    <dgm:cxn modelId="{EC81D924-F3DE-42D6-ACB6-DFB14E681FE5}" type="presOf" srcId="{DB846C1C-1661-4820-B302-1CDFCE1F5ADE}" destId="{951E62F0-BBBE-417D-B970-6E19E295F4BD}" srcOrd="0" destOrd="0" presId="urn:microsoft.com/office/officeart/2005/8/layout/hierarchy3"/>
+    <dgm:cxn modelId="{4C866A0C-6DB1-40E6-BD8C-8D8151CD7599}" type="presOf" srcId="{0304EC9A-9A48-43A8-A543-205FD5DB7C12}" destId="{EDE61F6A-867E-4FED-B43E-E336BFB7EE88}" srcOrd="0" destOrd="0" presId="urn:microsoft.com/office/officeart/2005/8/layout/hierarchy3"/>
+    <dgm:cxn modelId="{E5B99AAD-AD8A-4CF4-9E6A-DDD6E415C558}" srcId="{DB846C1C-1661-4820-B302-1CDFCE1F5ADE}" destId="{4BD25DB8-45C0-46FA-9420-1C7CB8F9E81C}" srcOrd="1" destOrd="0" parTransId="{0C70C9AE-CB28-4DA3-9B25-45EE1504E20E}" sibTransId="{7A57DEE8-B7ED-4B7E-B701-E2DFAB8065A8}"/>
+    <dgm:cxn modelId="{12E1A953-538E-40A1-8C1E-4FC35BBB4267}" type="presOf" srcId="{41478B3B-9F9C-489C-9C41-91084A693AD3}" destId="{84138F64-C0C5-4E54-9FDC-CCB4F0290274}" srcOrd="0" destOrd="0" presId="urn:microsoft.com/office/officeart/2005/8/layout/hierarchy3"/>
+    <dgm:cxn modelId="{1B5F59D4-7458-44A4-A3A0-48E9D967D817}" srcId="{0304EC9A-9A48-43A8-A543-205FD5DB7C12}" destId="{296FB520-AB6B-4453-859E-1C9D75B41781}" srcOrd="0" destOrd="0" parTransId="{F4C7668E-AA11-4233-826F-96A5BEF2756B}" sibTransId="{70679787-32D0-460F-9668-139A34500028}"/>
+    <dgm:cxn modelId="{43CAEAB9-FFED-4840-86BC-630D65BB4396}" type="presOf" srcId="{296FB520-AB6B-4453-859E-1C9D75B41781}" destId="{E143A6E4-7CF5-4F7E-861E-05E9B3CE1AE3}" srcOrd="0" destOrd="0" presId="urn:microsoft.com/office/officeart/2005/8/layout/hierarchy3"/>
+    <dgm:cxn modelId="{D9527F75-7E1F-4543-A3F9-EB9A4A7E87D5}" srcId="{0304EC9A-9A48-43A8-A543-205FD5DB7C12}" destId="{369D2B51-B667-4857-8B6F-D702A8193337}" srcOrd="2" destOrd="0" parTransId="{E9FE8F36-51EF-4A44-AEF7-426C815055EF}" sibTransId="{3F251AF7-07C5-4305-9D6C-F1097BC3B832}"/>
+    <dgm:cxn modelId="{98938FA6-8B93-4CC0-8F61-176A0B8D0016}" srcId="{DB846C1C-1661-4820-B302-1CDFCE1F5ADE}" destId="{CF3C7A12-341E-423C-8477-620A59FE7FEA}" srcOrd="0" destOrd="0" parTransId="{949E4B57-5289-4794-8667-18632458F41C}" sibTransId="{C063AE3F-D712-4116-B7A5-379C230E66B9}"/>
+    <dgm:cxn modelId="{D1731D40-6E4E-4CCC-8270-89BCF2F07375}" type="presOf" srcId="{369D2B51-B667-4857-8B6F-D702A8193337}" destId="{D61EB8ED-C24C-4E2B-9323-E2E5D0C9745D}" srcOrd="0" destOrd="0" presId="urn:microsoft.com/office/officeart/2005/8/layout/hierarchy3"/>
+    <dgm:cxn modelId="{521AA890-0CC2-45C2-BBC8-0A7FD9C3A30F}" srcId="{296FB520-AB6B-4453-859E-1C9D75B41781}" destId="{D5125150-9324-4307-BA33-0956CE4DCC4B}" srcOrd="0" destOrd="0" parTransId="{41478B3B-9F9C-489C-9C41-91084A693AD3}" sibTransId="{422B15BA-02F0-467D-B3D6-F385021C2EBF}"/>
+    <dgm:cxn modelId="{225F9591-056A-475F-BC36-26C350D644B6}" type="presOf" srcId="{D5125150-9324-4307-BA33-0956CE4DCC4B}" destId="{80829FBF-F24D-4186-8A4F-2C9576FE2279}" srcOrd="0" destOrd="0" presId="urn:microsoft.com/office/officeart/2005/8/layout/hierarchy3"/>
+    <dgm:cxn modelId="{011434BA-6500-47EA-AB22-8410B136E640}" type="presOf" srcId="{296FB520-AB6B-4453-859E-1C9D75B41781}" destId="{A0CFCDCB-D57B-477C-902C-C858E76D66E8}" srcOrd="1" destOrd="0" presId="urn:microsoft.com/office/officeart/2005/8/layout/hierarchy3"/>
+    <dgm:cxn modelId="{C631517C-C75A-4619-A78C-D0579D82E1C3}" srcId="{369D2B51-B667-4857-8B6F-D702A8193337}" destId="{4D181B31-7AE7-4DE7-AEC8-9A5AE2F5FF9C}" srcOrd="1" destOrd="0" parTransId="{AA44C9A3-94A2-402C-90AE-18DD46092626}" sibTransId="{ACAB38D0-79C1-4BC0-BBEE-7CD59384C3AB}"/>
+    <dgm:cxn modelId="{774F1334-A386-4C47-8A62-FB56B8FF25A7}" type="presOf" srcId="{AA44C9A3-94A2-402C-90AE-18DD46092626}" destId="{1271CF76-AE56-4ED1-A9A7-C512FDC8F19B}" srcOrd="0" destOrd="0" presId="urn:microsoft.com/office/officeart/2005/8/layout/hierarchy3"/>
+    <dgm:cxn modelId="{781F923A-FC9F-4CE1-8466-30AAA6425DE1}" type="presParOf" srcId="{EDE61F6A-867E-4FED-B43E-E336BFB7EE88}" destId="{87E60B81-66A8-4182-A86C-290925D56456}" srcOrd="0" destOrd="0" presId="urn:microsoft.com/office/officeart/2005/8/layout/hierarchy3"/>
+    <dgm:cxn modelId="{BFD50157-0A31-434F-85E3-5B39AAF86BE3}" type="presParOf" srcId="{87E60B81-66A8-4182-A86C-290925D56456}" destId="{A9683218-1F71-4613-93C4-7D50BE04E738}" srcOrd="0" destOrd="0" presId="urn:microsoft.com/office/officeart/2005/8/layout/hierarchy3"/>
+    <dgm:cxn modelId="{18AA6041-CA06-4AA5-AE02-8B0005950611}" type="presParOf" srcId="{A9683218-1F71-4613-93C4-7D50BE04E738}" destId="{E143A6E4-7CF5-4F7E-861E-05E9B3CE1AE3}" srcOrd="0" destOrd="0" presId="urn:microsoft.com/office/officeart/2005/8/layout/hierarchy3"/>
+    <dgm:cxn modelId="{E1D1273F-2BA5-4CC1-8F37-71CA1DA8C0BE}" type="presParOf" srcId="{A9683218-1F71-4613-93C4-7D50BE04E738}" destId="{A0CFCDCB-D57B-477C-902C-C858E76D66E8}" srcOrd="1" destOrd="0" presId="urn:microsoft.com/office/officeart/2005/8/layout/hierarchy3"/>
+    <dgm:cxn modelId="{02E5F9BF-C793-4597-AA99-50DA8CA8362B}" type="presParOf" srcId="{87E60B81-66A8-4182-A86C-290925D56456}" destId="{3832BC3B-51B7-4920-85EB-295054E0ED23}" srcOrd="1" destOrd="0" presId="urn:microsoft.com/office/officeart/2005/8/layout/hierarchy3"/>
+    <dgm:cxn modelId="{D84EABF4-A2FE-44C9-B2CC-82AB35FBD5EA}" type="presParOf" srcId="{3832BC3B-51B7-4920-85EB-295054E0ED23}" destId="{84138F64-C0C5-4E54-9FDC-CCB4F0290274}" srcOrd="0" destOrd="0" presId="urn:microsoft.com/office/officeart/2005/8/layout/hierarchy3"/>
+    <dgm:cxn modelId="{5FB8ABD4-4D93-46F6-96E9-9D087989195B}" type="presParOf" srcId="{3832BC3B-51B7-4920-85EB-295054E0ED23}" destId="{80829FBF-F24D-4186-8A4F-2C9576FE2279}" srcOrd="1" destOrd="0" presId="urn:microsoft.com/office/officeart/2005/8/layout/hierarchy3"/>
+    <dgm:cxn modelId="{62DDC1B5-45AF-41F1-8F43-AE2ACF325A82}" type="presParOf" srcId="{EDE61F6A-867E-4FED-B43E-E336BFB7EE88}" destId="{665BCAEB-FA74-41E5-A1B5-7DB9D467EB7D}" srcOrd="1" destOrd="0" presId="urn:microsoft.com/office/officeart/2005/8/layout/hierarchy3"/>
+    <dgm:cxn modelId="{21F5454C-45D6-414D-96A6-D73930C7EDC6}" type="presParOf" srcId="{665BCAEB-FA74-41E5-A1B5-7DB9D467EB7D}" destId="{79189179-11D7-43DA-A2A7-0FADB2B2214F}" srcOrd="0" destOrd="0" presId="urn:microsoft.com/office/officeart/2005/8/layout/hierarchy3"/>
+    <dgm:cxn modelId="{67048864-6B93-47BD-9664-19FF2AC19572}" type="presParOf" srcId="{79189179-11D7-43DA-A2A7-0FADB2B2214F}" destId="{951E62F0-BBBE-417D-B970-6E19E295F4BD}" srcOrd="0" destOrd="0" presId="urn:microsoft.com/office/officeart/2005/8/layout/hierarchy3"/>
+    <dgm:cxn modelId="{C59713BE-0260-42E4-A622-6BA1353482FF}" type="presParOf" srcId="{79189179-11D7-43DA-A2A7-0FADB2B2214F}" destId="{A3326444-B6C8-47EE-9CF0-FEE31D457444}" srcOrd="1" destOrd="0" presId="urn:microsoft.com/office/officeart/2005/8/layout/hierarchy3"/>
+    <dgm:cxn modelId="{51C627D8-6344-4705-95E2-50CB200FA587}" type="presParOf" srcId="{665BCAEB-FA74-41E5-A1B5-7DB9D467EB7D}" destId="{AD5B07FB-2486-4D1D-B77D-F26198616FAC}" srcOrd="1" destOrd="0" presId="urn:microsoft.com/office/officeart/2005/8/layout/hierarchy3"/>
+    <dgm:cxn modelId="{E4006E17-07A5-4DC9-AB2F-3A391B661D91}" type="presParOf" srcId="{AD5B07FB-2486-4D1D-B77D-F26198616FAC}" destId="{AC5487B9-5530-442A-8F4F-672A27EF7CF0}" srcOrd="0" destOrd="0" presId="urn:microsoft.com/office/officeart/2005/8/layout/hierarchy3"/>
+    <dgm:cxn modelId="{F20782BE-CC0E-4818-A573-752A89C39259}" type="presParOf" srcId="{AD5B07FB-2486-4D1D-B77D-F26198616FAC}" destId="{BB9EE6EB-F6A8-4147-8A8B-0A10C7B94E84}" srcOrd="1" destOrd="0" presId="urn:microsoft.com/office/officeart/2005/8/layout/hierarchy3"/>
+    <dgm:cxn modelId="{0866C458-CA49-4F0B-9BB1-922BD51C98CA}" type="presParOf" srcId="{AD5B07FB-2486-4D1D-B77D-F26198616FAC}" destId="{D2ED62DB-9317-4D85-9C33-3EAE462D8DD7}" srcOrd="2" destOrd="0" presId="urn:microsoft.com/office/officeart/2005/8/layout/hierarchy3"/>
+    <dgm:cxn modelId="{E3568AA5-9E99-49F2-A7BB-01C5B99617E0}" type="presParOf" srcId="{AD5B07FB-2486-4D1D-B77D-F26198616FAC}" destId="{9D476B22-861B-4A7C-8788-C6A5F1341F06}" srcOrd="3" destOrd="0" presId="urn:microsoft.com/office/officeart/2005/8/layout/hierarchy3"/>
+    <dgm:cxn modelId="{74273657-4A44-4C95-87EF-03A46A99A08D}" type="presParOf" srcId="{EDE61F6A-867E-4FED-B43E-E336BFB7EE88}" destId="{E8554F47-4051-46EF-8717-55D85C89DA38}" srcOrd="2" destOrd="0" presId="urn:microsoft.com/office/officeart/2005/8/layout/hierarchy3"/>
+    <dgm:cxn modelId="{97310CA1-874B-4B21-AD66-A683FDFBE46A}" type="presParOf" srcId="{E8554F47-4051-46EF-8717-55D85C89DA38}" destId="{F6FFD54B-8970-462C-970C-77CC43B7C99D}" srcOrd="0" destOrd="0" presId="urn:microsoft.com/office/officeart/2005/8/layout/hierarchy3"/>
+    <dgm:cxn modelId="{542C5FAD-7FBE-4D2C-9FDE-2ADC0166F463}" type="presParOf" srcId="{F6FFD54B-8970-462C-970C-77CC43B7C99D}" destId="{D61EB8ED-C24C-4E2B-9323-E2E5D0C9745D}" srcOrd="0" destOrd="0" presId="urn:microsoft.com/office/officeart/2005/8/layout/hierarchy3"/>
+    <dgm:cxn modelId="{34EF118E-DC90-4567-A6D8-070F3C260E2E}" type="presParOf" srcId="{F6FFD54B-8970-462C-970C-77CC43B7C99D}" destId="{CAAED72E-5CB3-4A2C-954C-C34C21EF9466}" srcOrd="1" destOrd="0" presId="urn:microsoft.com/office/officeart/2005/8/layout/hierarchy3"/>
+    <dgm:cxn modelId="{65EFB8B3-4AE5-420A-BDA4-6A1A1CDB513C}" type="presParOf" srcId="{E8554F47-4051-46EF-8717-55D85C89DA38}" destId="{499D219F-EDCF-4D1E-9305-E33B7858ABF4}" srcOrd="1" destOrd="0" presId="urn:microsoft.com/office/officeart/2005/8/layout/hierarchy3"/>
+    <dgm:cxn modelId="{27B13888-7606-41C7-86CE-867E8EC72C4E}" type="presParOf" srcId="{499D219F-EDCF-4D1E-9305-E33B7858ABF4}" destId="{6122B4D8-A7B7-418D-AE8B-A6F3F715783D}" srcOrd="0" destOrd="0" presId="urn:microsoft.com/office/officeart/2005/8/layout/hierarchy3"/>
+    <dgm:cxn modelId="{C0D6AC33-8679-43C0-B776-78777BC94E18}" type="presParOf" srcId="{499D219F-EDCF-4D1E-9305-E33B7858ABF4}" destId="{A84666DA-4714-4DE6-8E70-EA455F297386}" srcOrd="1" destOrd="0" presId="urn:microsoft.com/office/officeart/2005/8/layout/hierarchy3"/>
+    <dgm:cxn modelId="{AEDFA5E5-8416-4354-B476-6E1BE61A56F9}" type="presParOf" srcId="{499D219F-EDCF-4D1E-9305-E33B7858ABF4}" destId="{1271CF76-AE56-4ED1-A9A7-C512FDC8F19B}" srcOrd="2" destOrd="0" presId="urn:microsoft.com/office/officeart/2005/8/layout/hierarchy3"/>
+    <dgm:cxn modelId="{8B9BC9B5-9E84-464E-8F98-C79D98F6B814}" type="presParOf" srcId="{499D219F-EDCF-4D1E-9305-E33B7858ABF4}" destId="{83D97631-6F2D-4CD3-9150-363ACF972244}" srcOrd="3" destOrd="0" presId="urn:microsoft.com/office/officeart/2005/8/layout/hierarchy3"/>
+  </dgm:cxnLst>
+  <dgm:bg/>
+  <dgm:whole/>
+  <dgm:extLst>
+    <a:ext uri="http://schemas.microsoft.com/office/drawing/2008/diagram">
+      <dsp:dataModelExt xmlns:dsp="http://schemas.microsoft.com/office/drawing/2008/diagram" relId="rId6" minVer="http://schemas.openxmlformats.org/drawingml/2006/diagram"/>
+    </a:ext>
+  </dgm:extLst>
+</dgm:dataModel>
+</file>
+
+<file path=ppt/diagrams/drawing1.xml><?xml version="1.0" encoding="utf-8"?>
+<dsp:drawing xmlns:dgm="http://schemas.openxmlformats.org/drawingml/2006/diagram" xmlns:dsp="http://schemas.microsoft.com/office/drawing/2008/diagram" xmlns:a="http://schemas.openxmlformats.org/drawingml/2006/main">
+  <dsp:spTree>
+    <dsp:nvGrpSpPr>
+      <dsp:cNvPr id="0" name=""/>
+      <dsp:cNvGrpSpPr/>
+    </dsp:nvGrpSpPr>
+    <dsp:grpSpPr/>
+    <dsp:sp modelId="{E143A6E4-7CF5-4F7E-861E-05E9B3CE1AE3}">
+      <dsp:nvSpPr>
+        <dsp:cNvPr id="0" name=""/>
+        <dsp:cNvSpPr/>
+      </dsp:nvSpPr>
+      <dsp:spPr>
+        <a:xfrm>
+          <a:off x="283967" y="3077"/>
+          <a:ext cx="2394061" cy="1197030"/>
+        </a:xfrm>
+        <a:prstGeom prst="roundRect">
+          <a:avLst>
+            <a:gd name="adj" fmla="val 10000"/>
+          </a:avLst>
+        </a:prstGeom>
+        <a:solidFill>
+          <a:schemeClr val="accent1">
+            <a:hueOff val="0"/>
+            <a:satOff val="0"/>
+            <a:lumOff val="0"/>
+            <a:alphaOff val="0"/>
+          </a:schemeClr>
+        </a:solidFill>
+        <a:ln w="19050" cap="rnd" cmpd="sng" algn="ctr">
+          <a:solidFill>
+            <a:schemeClr val="lt1">
+              <a:hueOff val="0"/>
+              <a:satOff val="0"/>
+              <a:lumOff val="0"/>
+              <a:alphaOff val="0"/>
+            </a:schemeClr>
+          </a:solidFill>
+          <a:prstDash val="solid"/>
+        </a:ln>
+        <a:effectLst/>
+      </dsp:spPr>
+      <dsp:style>
+        <a:lnRef idx="2">
+          <a:scrgbClr r="0" g="0" b="0"/>
+        </a:lnRef>
+        <a:fillRef idx="1">
+          <a:scrgbClr r="0" g="0" b="0"/>
+        </a:fillRef>
+        <a:effectRef idx="0">
+          <a:scrgbClr r="0" g="0" b="0"/>
+        </a:effectRef>
+        <a:fontRef idx="minor">
+          <a:schemeClr val="lt1"/>
+        </a:fontRef>
+      </dsp:style>
+      <dsp:txBody>
+        <a:bodyPr spcFirstLastPara="0" vert="horz" wrap="square" lIns="38100" tIns="25400" rIns="38100" bIns="25400" numCol="1" spcCol="1270" anchor="ctr" anchorCtr="0">
+          <a:noAutofit/>
+        </a:bodyPr>
+        <a:lstStyle/>
+        <a:p>
+          <a:pPr lvl="0" algn="ctr" defTabSz="889000">
+            <a:lnSpc>
+              <a:spcPct val="90000"/>
+            </a:lnSpc>
+            <a:spcBef>
+              <a:spcPct val="0"/>
+            </a:spcBef>
+            <a:spcAft>
+              <a:spcPct val="35000"/>
+            </a:spcAft>
+          </a:pPr>
+          <a:r>
+            <a:rPr lang="en-US" sz="2000" kern="1200" dirty="0" smtClean="0"/>
+            <a:t>FER – 2013 Dataset with 7 emotion types</a:t>
+          </a:r>
+          <a:endParaRPr lang="en-US" sz="2000" kern="1200" dirty="0"/>
+        </a:p>
+      </dsp:txBody>
+      <dsp:txXfrm>
+        <a:off x="319027" y="38137"/>
+        <a:ext cx="2323941" cy="1126910"/>
+      </dsp:txXfrm>
+    </dsp:sp>
+    <dsp:sp modelId="{84138F64-C0C5-4E54-9FDC-CCB4F0290274}">
+      <dsp:nvSpPr>
+        <dsp:cNvPr id="0" name=""/>
+        <dsp:cNvSpPr/>
+      </dsp:nvSpPr>
+      <dsp:spPr>
+        <a:xfrm>
+          <a:off x="523373" y="1200107"/>
+          <a:ext cx="239406" cy="897773"/>
+        </a:xfrm>
+        <a:custGeom>
+          <a:avLst/>
+          <a:gdLst/>
+          <a:ahLst/>
+          <a:cxnLst/>
+          <a:rect l="0" t="0" r="0" b="0"/>
+          <a:pathLst>
+            <a:path>
+              <a:moveTo>
+                <a:pt x="0" y="0"/>
+              </a:moveTo>
+              <a:lnTo>
+                <a:pt x="0" y="897773"/>
+              </a:lnTo>
+              <a:lnTo>
+                <a:pt x="239406" y="897773"/>
+              </a:lnTo>
+            </a:path>
+          </a:pathLst>
+        </a:custGeom>
+        <a:noFill/>
+        <a:ln w="19050" cap="rnd" cmpd="sng" algn="ctr">
+          <a:solidFill>
+            <a:schemeClr val="accent1">
+              <a:shade val="60000"/>
+              <a:hueOff val="0"/>
+              <a:satOff val="0"/>
+              <a:lumOff val="0"/>
+              <a:alphaOff val="0"/>
+            </a:schemeClr>
+          </a:solidFill>
+          <a:prstDash val="solid"/>
+        </a:ln>
+        <a:effectLst/>
+      </dsp:spPr>
+      <dsp:style>
+        <a:lnRef idx="2">
+          <a:scrgbClr r="0" g="0" b="0"/>
+        </a:lnRef>
+        <a:fillRef idx="0">
+          <a:scrgbClr r="0" g="0" b="0"/>
+        </a:fillRef>
+        <a:effectRef idx="0">
+          <a:scrgbClr r="0" g="0" b="0"/>
+        </a:effectRef>
+        <a:fontRef idx="minor"/>
+      </dsp:style>
+    </dsp:sp>
+    <dsp:sp modelId="{80829FBF-F24D-4186-8A4F-2C9576FE2279}">
+      <dsp:nvSpPr>
+        <dsp:cNvPr id="0" name=""/>
+        <dsp:cNvSpPr/>
+      </dsp:nvSpPr>
+      <dsp:spPr>
+        <a:xfrm>
+          <a:off x="762779" y="1499365"/>
+          <a:ext cx="1915249" cy="1197030"/>
+        </a:xfrm>
+        <a:prstGeom prst="roundRect">
+          <a:avLst>
+            <a:gd name="adj" fmla="val 10000"/>
+          </a:avLst>
+        </a:prstGeom>
+        <a:solidFill>
+          <a:schemeClr val="lt1">
+            <a:alpha val="90000"/>
+            <a:hueOff val="0"/>
+            <a:satOff val="0"/>
+            <a:lumOff val="0"/>
+            <a:alphaOff val="0"/>
+          </a:schemeClr>
+        </a:solidFill>
+        <a:ln w="19050" cap="rnd" cmpd="sng" algn="ctr">
+          <a:solidFill>
+            <a:schemeClr val="accent1">
+              <a:hueOff val="0"/>
+              <a:satOff val="0"/>
+              <a:lumOff val="0"/>
+              <a:alphaOff val="0"/>
+            </a:schemeClr>
+          </a:solidFill>
+          <a:prstDash val="solid"/>
+        </a:ln>
+        <a:effectLst/>
+      </dsp:spPr>
+      <dsp:style>
+        <a:lnRef idx="2">
+          <a:scrgbClr r="0" g="0" b="0"/>
+        </a:lnRef>
+        <a:fillRef idx="1">
+          <a:scrgbClr r="0" g="0" b="0"/>
+        </a:fillRef>
+        <a:effectRef idx="0">
+          <a:scrgbClr r="0" g="0" b="0"/>
+        </a:effectRef>
+        <a:fontRef idx="minor"/>
+      </dsp:style>
+      <dsp:txBody>
+        <a:bodyPr spcFirstLastPara="0" vert="horz" wrap="square" lIns="32385" tIns="21590" rIns="32385" bIns="21590" numCol="1" spcCol="1270" anchor="ctr" anchorCtr="0">
+          <a:noAutofit/>
+        </a:bodyPr>
+        <a:lstStyle/>
+        <a:p>
+          <a:pPr lvl="0" algn="ctr" defTabSz="755650">
+            <a:lnSpc>
+              <a:spcPct val="90000"/>
+            </a:lnSpc>
+            <a:spcBef>
+              <a:spcPct val="0"/>
+            </a:spcBef>
+            <a:spcAft>
+              <a:spcPct val="35000"/>
+            </a:spcAft>
+          </a:pPr>
+          <a:r>
+            <a:rPr lang="en-US" sz="1700" kern="1200" dirty="0" smtClean="0"/>
+            <a:t>Public domain license. Retrieved from Kaggle.com</a:t>
+          </a:r>
+          <a:endParaRPr lang="en-US" sz="1700" kern="1200" dirty="0"/>
+        </a:p>
+      </dsp:txBody>
+      <dsp:txXfrm>
+        <a:off x="797839" y="1534425"/>
+        <a:ext cx="1845129" cy="1126910"/>
+      </dsp:txXfrm>
+    </dsp:sp>
+    <dsp:sp modelId="{951E62F0-BBBE-417D-B970-6E19E295F4BD}">
+      <dsp:nvSpPr>
+        <dsp:cNvPr id="0" name=""/>
+        <dsp:cNvSpPr/>
+      </dsp:nvSpPr>
+      <dsp:spPr>
+        <a:xfrm>
+          <a:off x="3276544" y="3077"/>
+          <a:ext cx="2394061" cy="1197030"/>
+        </a:xfrm>
+        <a:prstGeom prst="roundRect">
+          <a:avLst>
+            <a:gd name="adj" fmla="val 10000"/>
+          </a:avLst>
+        </a:prstGeom>
+        <a:solidFill>
+          <a:schemeClr val="accent1">
+            <a:hueOff val="0"/>
+            <a:satOff val="0"/>
+            <a:lumOff val="0"/>
+            <a:alphaOff val="0"/>
+          </a:schemeClr>
+        </a:solidFill>
+        <a:ln w="19050" cap="rnd" cmpd="sng" algn="ctr">
+          <a:solidFill>
+            <a:schemeClr val="lt1">
+              <a:hueOff val="0"/>
+              <a:satOff val="0"/>
+              <a:lumOff val="0"/>
+              <a:alphaOff val="0"/>
+            </a:schemeClr>
+          </a:solidFill>
+          <a:prstDash val="solid"/>
+        </a:ln>
+        <a:effectLst/>
+      </dsp:spPr>
+      <dsp:style>
+        <a:lnRef idx="2">
+          <a:scrgbClr r="0" g="0" b="0"/>
+        </a:lnRef>
+        <a:fillRef idx="1">
+          <a:scrgbClr r="0" g="0" b="0"/>
+        </a:fillRef>
+        <a:effectRef idx="0">
+          <a:scrgbClr r="0" g="0" b="0"/>
+        </a:effectRef>
+        <a:fontRef idx="minor">
+          <a:schemeClr val="lt1"/>
+        </a:fontRef>
+      </dsp:style>
+      <dsp:txBody>
+        <a:bodyPr spcFirstLastPara="0" vert="horz" wrap="square" lIns="38100" tIns="25400" rIns="38100" bIns="25400" numCol="1" spcCol="1270" anchor="ctr" anchorCtr="0">
+          <a:noAutofit/>
+        </a:bodyPr>
+        <a:lstStyle/>
+        <a:p>
+          <a:pPr lvl="0" algn="ctr" defTabSz="889000">
+            <a:lnSpc>
+              <a:spcPct val="90000"/>
+            </a:lnSpc>
+            <a:spcBef>
+              <a:spcPct val="0"/>
+            </a:spcBef>
+            <a:spcAft>
+              <a:spcPct val="35000"/>
+            </a:spcAft>
+          </a:pPr>
+          <a:r>
+            <a:rPr lang="en-US" sz="2000" kern="1200" dirty="0" smtClean="0"/>
+            <a:t>CNN with Genetic Algorithm Optimizer</a:t>
+          </a:r>
+          <a:endParaRPr lang="en-US" sz="2000" kern="1200" dirty="0"/>
+        </a:p>
+      </dsp:txBody>
+      <dsp:txXfrm>
+        <a:off x="3311604" y="38137"/>
+        <a:ext cx="2323941" cy="1126910"/>
+      </dsp:txXfrm>
+    </dsp:sp>
+    <dsp:sp modelId="{AC5487B9-5530-442A-8F4F-672A27EF7CF0}">
+      <dsp:nvSpPr>
+        <dsp:cNvPr id="0" name=""/>
+        <dsp:cNvSpPr/>
+      </dsp:nvSpPr>
+      <dsp:spPr>
+        <a:xfrm>
+          <a:off x="3515950" y="1200107"/>
+          <a:ext cx="239406" cy="897773"/>
+        </a:xfrm>
+        <a:custGeom>
+          <a:avLst/>
+          <a:gdLst/>
+          <a:ahLst/>
+          <a:cxnLst/>
+          <a:rect l="0" t="0" r="0" b="0"/>
+          <a:pathLst>
+            <a:path>
+              <a:moveTo>
+                <a:pt x="0" y="0"/>
+              </a:moveTo>
+              <a:lnTo>
+                <a:pt x="0" y="897773"/>
+              </a:lnTo>
+              <a:lnTo>
+                <a:pt x="239406" y="897773"/>
+              </a:lnTo>
+            </a:path>
+          </a:pathLst>
+        </a:custGeom>
+        <a:noFill/>
+        <a:ln w="19050" cap="rnd" cmpd="sng" algn="ctr">
+          <a:solidFill>
+            <a:schemeClr val="accent1">
+              <a:shade val="60000"/>
+              <a:hueOff val="0"/>
+              <a:satOff val="0"/>
+              <a:lumOff val="0"/>
+              <a:alphaOff val="0"/>
+            </a:schemeClr>
+          </a:solidFill>
+          <a:prstDash val="solid"/>
+        </a:ln>
+        <a:effectLst/>
+      </dsp:spPr>
+      <dsp:style>
+        <a:lnRef idx="2">
+          <a:scrgbClr r="0" g="0" b="0"/>
+        </a:lnRef>
+        <a:fillRef idx="0">
+          <a:scrgbClr r="0" g="0" b="0"/>
+        </a:fillRef>
+        <a:effectRef idx="0">
+          <a:scrgbClr r="0" g="0" b="0"/>
+        </a:effectRef>
+        <a:fontRef idx="minor"/>
+      </dsp:style>
+    </dsp:sp>
+    <dsp:sp modelId="{BB9EE6EB-F6A8-4147-8A8B-0A10C7B94E84}">
+      <dsp:nvSpPr>
+        <dsp:cNvPr id="0" name=""/>
+        <dsp:cNvSpPr/>
+      </dsp:nvSpPr>
+      <dsp:spPr>
+        <a:xfrm>
+          <a:off x="3755356" y="1499365"/>
+          <a:ext cx="1915249" cy="1197030"/>
+        </a:xfrm>
+        <a:prstGeom prst="roundRect">
+          <a:avLst>
+            <a:gd name="adj" fmla="val 10000"/>
+          </a:avLst>
+        </a:prstGeom>
+        <a:solidFill>
+          <a:schemeClr val="lt1">
+            <a:alpha val="90000"/>
+            <a:hueOff val="0"/>
+            <a:satOff val="0"/>
+            <a:lumOff val="0"/>
+            <a:alphaOff val="0"/>
+          </a:schemeClr>
+        </a:solidFill>
+        <a:ln w="19050" cap="rnd" cmpd="sng" algn="ctr">
+          <a:solidFill>
+            <a:schemeClr val="accent1">
+              <a:hueOff val="0"/>
+              <a:satOff val="0"/>
+              <a:lumOff val="0"/>
+              <a:alphaOff val="0"/>
+            </a:schemeClr>
+          </a:solidFill>
+          <a:prstDash val="solid"/>
+        </a:ln>
+        <a:effectLst/>
+      </dsp:spPr>
+      <dsp:style>
+        <a:lnRef idx="2">
+          <a:scrgbClr r="0" g="0" b="0"/>
+        </a:lnRef>
+        <a:fillRef idx="1">
+          <a:scrgbClr r="0" g="0" b="0"/>
+        </a:fillRef>
+        <a:effectRef idx="0">
+          <a:scrgbClr r="0" g="0" b="0"/>
+        </a:effectRef>
+        <a:fontRef idx="minor"/>
+      </dsp:style>
+      <dsp:txBody>
+        <a:bodyPr spcFirstLastPara="0" vert="horz" wrap="square" lIns="32385" tIns="21590" rIns="32385" bIns="21590" numCol="1" spcCol="1270" anchor="ctr" anchorCtr="0">
+          <a:noAutofit/>
+        </a:bodyPr>
+        <a:lstStyle/>
+        <a:p>
+          <a:pPr lvl="0" algn="ctr" defTabSz="755650">
+            <a:lnSpc>
+              <a:spcPct val="90000"/>
+            </a:lnSpc>
+            <a:spcBef>
+              <a:spcPct val="0"/>
+            </a:spcBef>
+            <a:spcAft>
+              <a:spcPct val="35000"/>
+            </a:spcAft>
+          </a:pPr>
+          <a:r>
+            <a:rPr lang="en-US" sz="1700" kern="1200" dirty="0" smtClean="0"/>
+            <a:t>Data Visualization</a:t>
+          </a:r>
+          <a:endParaRPr lang="en-US" sz="1700" kern="1200" dirty="0"/>
+        </a:p>
+      </dsp:txBody>
+      <dsp:txXfrm>
+        <a:off x="3790416" y="1534425"/>
+        <a:ext cx="1845129" cy="1126910"/>
+      </dsp:txXfrm>
+    </dsp:sp>
+    <dsp:sp modelId="{D2ED62DB-9317-4D85-9C33-3EAE462D8DD7}">
+      <dsp:nvSpPr>
+        <dsp:cNvPr id="0" name=""/>
+        <dsp:cNvSpPr/>
+      </dsp:nvSpPr>
+      <dsp:spPr>
+        <a:xfrm>
+          <a:off x="3515950" y="1200107"/>
+          <a:ext cx="239406" cy="2394061"/>
+        </a:xfrm>
+        <a:custGeom>
+          <a:avLst/>
+          <a:gdLst/>
+          <a:ahLst/>
+          <a:cxnLst/>
+          <a:rect l="0" t="0" r="0" b="0"/>
+          <a:pathLst>
+            <a:path>
+              <a:moveTo>
+                <a:pt x="0" y="0"/>
+              </a:moveTo>
+              <a:lnTo>
+                <a:pt x="0" y="2394061"/>
+              </a:lnTo>
+              <a:lnTo>
+                <a:pt x="239406" y="2394061"/>
+              </a:lnTo>
+            </a:path>
+          </a:pathLst>
+        </a:custGeom>
+        <a:noFill/>
+        <a:ln w="19050" cap="rnd" cmpd="sng" algn="ctr">
+          <a:solidFill>
+            <a:schemeClr val="accent1">
+              <a:shade val="60000"/>
+              <a:hueOff val="0"/>
+              <a:satOff val="0"/>
+              <a:lumOff val="0"/>
+              <a:alphaOff val="0"/>
+            </a:schemeClr>
+          </a:solidFill>
+          <a:prstDash val="solid"/>
+        </a:ln>
+        <a:effectLst/>
+      </dsp:spPr>
+      <dsp:style>
+        <a:lnRef idx="2">
+          <a:scrgbClr r="0" g="0" b="0"/>
+        </a:lnRef>
+        <a:fillRef idx="0">
+          <a:scrgbClr r="0" g="0" b="0"/>
+        </a:fillRef>
+        <a:effectRef idx="0">
+          <a:scrgbClr r="0" g="0" b="0"/>
+        </a:effectRef>
+        <a:fontRef idx="minor"/>
+      </dsp:style>
+    </dsp:sp>
+    <dsp:sp modelId="{9D476B22-861B-4A7C-8788-C6A5F1341F06}">
+      <dsp:nvSpPr>
+        <dsp:cNvPr id="0" name=""/>
+        <dsp:cNvSpPr/>
+      </dsp:nvSpPr>
+      <dsp:spPr>
+        <a:xfrm>
+          <a:off x="3755356" y="2995654"/>
+          <a:ext cx="1915249" cy="1197030"/>
+        </a:xfrm>
+        <a:prstGeom prst="roundRect">
+          <a:avLst>
+            <a:gd name="adj" fmla="val 10000"/>
+          </a:avLst>
+        </a:prstGeom>
+        <a:solidFill>
+          <a:schemeClr val="lt1">
+            <a:alpha val="90000"/>
+            <a:hueOff val="0"/>
+            <a:satOff val="0"/>
+            <a:lumOff val="0"/>
+            <a:alphaOff val="0"/>
+          </a:schemeClr>
+        </a:solidFill>
+        <a:ln w="19050" cap="rnd" cmpd="sng" algn="ctr">
+          <a:solidFill>
+            <a:schemeClr val="accent1">
+              <a:hueOff val="0"/>
+              <a:satOff val="0"/>
+              <a:lumOff val="0"/>
+              <a:alphaOff val="0"/>
+            </a:schemeClr>
+          </a:solidFill>
+          <a:prstDash val="solid"/>
+        </a:ln>
+        <a:effectLst/>
+      </dsp:spPr>
+      <dsp:style>
+        <a:lnRef idx="2">
+          <a:scrgbClr r="0" g="0" b="0"/>
+        </a:lnRef>
+        <a:fillRef idx="1">
+          <a:scrgbClr r="0" g="0" b="0"/>
+        </a:fillRef>
+        <a:effectRef idx="0">
+          <a:scrgbClr r="0" g="0" b="0"/>
+        </a:effectRef>
+        <a:fontRef idx="minor"/>
+      </dsp:style>
+      <dsp:txBody>
+        <a:bodyPr spcFirstLastPara="0" vert="horz" wrap="square" lIns="32385" tIns="21590" rIns="32385" bIns="21590" numCol="1" spcCol="1270" anchor="ctr" anchorCtr="0">
+          <a:noAutofit/>
+        </a:bodyPr>
+        <a:lstStyle/>
+        <a:p>
+          <a:pPr lvl="0" algn="ctr" defTabSz="755650">
+            <a:lnSpc>
+              <a:spcPct val="90000"/>
+            </a:lnSpc>
+            <a:spcBef>
+              <a:spcPct val="0"/>
+            </a:spcBef>
+            <a:spcAft>
+              <a:spcPct val="35000"/>
+            </a:spcAft>
+          </a:pPr>
+          <a:r>
+            <a:rPr lang="en-US" sz="1700" kern="1200" dirty="0" err="1" smtClean="0"/>
+            <a:t>Hyperparameter</a:t>
+          </a:r>
+          <a:r>
+            <a:rPr lang="en-US" sz="1700" kern="1200" dirty="0" smtClean="0"/>
+            <a:t> override for machine tuning</a:t>
+          </a:r>
+          <a:endParaRPr lang="en-US" sz="1700" kern="1200" dirty="0"/>
+        </a:p>
+      </dsp:txBody>
+      <dsp:txXfrm>
+        <a:off x="3790416" y="3030714"/>
+        <a:ext cx="1845129" cy="1126910"/>
+      </dsp:txXfrm>
+    </dsp:sp>
+    <dsp:sp modelId="{D61EB8ED-C24C-4E2B-9323-E2E5D0C9745D}">
+      <dsp:nvSpPr>
+        <dsp:cNvPr id="0" name=""/>
+        <dsp:cNvSpPr/>
+      </dsp:nvSpPr>
+      <dsp:spPr>
+        <a:xfrm>
+          <a:off x="6269121" y="3077"/>
+          <a:ext cx="2394061" cy="1197030"/>
+        </a:xfrm>
+        <a:prstGeom prst="roundRect">
+          <a:avLst>
+            <a:gd name="adj" fmla="val 10000"/>
+          </a:avLst>
+        </a:prstGeom>
+        <a:solidFill>
+          <a:schemeClr val="accent1">
+            <a:hueOff val="0"/>
+            <a:satOff val="0"/>
+            <a:lumOff val="0"/>
+            <a:alphaOff val="0"/>
+          </a:schemeClr>
+        </a:solidFill>
+        <a:ln w="19050" cap="rnd" cmpd="sng" algn="ctr">
+          <a:solidFill>
+            <a:schemeClr val="lt1">
+              <a:hueOff val="0"/>
+              <a:satOff val="0"/>
+              <a:lumOff val="0"/>
+              <a:alphaOff val="0"/>
+            </a:schemeClr>
+          </a:solidFill>
+          <a:prstDash val="solid"/>
+        </a:ln>
+        <a:effectLst/>
+      </dsp:spPr>
+      <dsp:style>
+        <a:lnRef idx="2">
+          <a:scrgbClr r="0" g="0" b="0"/>
+        </a:lnRef>
+        <a:fillRef idx="1">
+          <a:scrgbClr r="0" g="0" b="0"/>
+        </a:fillRef>
+        <a:effectRef idx="0">
+          <a:scrgbClr r="0" g="0" b="0"/>
+        </a:effectRef>
+        <a:fontRef idx="minor">
+          <a:schemeClr val="lt1"/>
+        </a:fontRef>
+      </dsp:style>
+      <dsp:txBody>
+        <a:bodyPr spcFirstLastPara="0" vert="horz" wrap="square" lIns="38100" tIns="25400" rIns="38100" bIns="25400" numCol="1" spcCol="1270" anchor="ctr" anchorCtr="0">
+          <a:noAutofit/>
+        </a:bodyPr>
+        <a:lstStyle/>
+        <a:p>
+          <a:pPr lvl="0" algn="ctr" defTabSz="889000">
+            <a:lnSpc>
+              <a:spcPct val="90000"/>
+            </a:lnSpc>
+            <a:spcBef>
+              <a:spcPct val="0"/>
+            </a:spcBef>
+            <a:spcAft>
+              <a:spcPct val="35000"/>
+            </a:spcAft>
+          </a:pPr>
+          <a:r>
+            <a:rPr lang="en-US" sz="2000" kern="1200" dirty="0" smtClean="0"/>
+            <a:t>Django Web App</a:t>
+          </a:r>
+          <a:endParaRPr lang="en-US" sz="2000" kern="1200" dirty="0"/>
+        </a:p>
+      </dsp:txBody>
+      <dsp:txXfrm>
+        <a:off x="6304181" y="38137"/>
+        <a:ext cx="2323941" cy="1126910"/>
+      </dsp:txXfrm>
+    </dsp:sp>
+    <dsp:sp modelId="{6122B4D8-A7B7-418D-AE8B-A6F3F715783D}">
+      <dsp:nvSpPr>
+        <dsp:cNvPr id="0" name=""/>
+        <dsp:cNvSpPr/>
+      </dsp:nvSpPr>
+      <dsp:spPr>
+        <a:xfrm>
+          <a:off x="6508527" y="1200107"/>
+          <a:ext cx="239406" cy="897773"/>
+        </a:xfrm>
+        <a:custGeom>
+          <a:avLst/>
+          <a:gdLst/>
+          <a:ahLst/>
+          <a:cxnLst/>
+          <a:rect l="0" t="0" r="0" b="0"/>
+          <a:pathLst>
+            <a:path>
+              <a:moveTo>
+                <a:pt x="0" y="0"/>
+              </a:moveTo>
+              <a:lnTo>
+                <a:pt x="0" y="897773"/>
+              </a:lnTo>
+              <a:lnTo>
+                <a:pt x="239406" y="897773"/>
+              </a:lnTo>
+            </a:path>
+          </a:pathLst>
+        </a:custGeom>
+        <a:noFill/>
+        <a:ln w="19050" cap="rnd" cmpd="sng" algn="ctr">
+          <a:solidFill>
+            <a:schemeClr val="accent1">
+              <a:shade val="60000"/>
+              <a:hueOff val="0"/>
+              <a:satOff val="0"/>
+              <a:lumOff val="0"/>
+              <a:alphaOff val="0"/>
+            </a:schemeClr>
+          </a:solidFill>
+          <a:prstDash val="solid"/>
+        </a:ln>
+        <a:effectLst/>
+      </dsp:spPr>
+      <dsp:style>
+        <a:lnRef idx="2">
+          <a:scrgbClr r="0" g="0" b="0"/>
+        </a:lnRef>
+        <a:fillRef idx="0">
+          <a:scrgbClr r="0" g="0" b="0"/>
+        </a:fillRef>
+        <a:effectRef idx="0">
+          <a:scrgbClr r="0" g="0" b="0"/>
+        </a:effectRef>
+        <a:fontRef idx="minor"/>
+      </dsp:style>
+    </dsp:sp>
+    <dsp:sp modelId="{A84666DA-4714-4DE6-8E70-EA455F297386}">
+      <dsp:nvSpPr>
+        <dsp:cNvPr id="0" name=""/>
+        <dsp:cNvSpPr/>
+      </dsp:nvSpPr>
+      <dsp:spPr>
+        <a:xfrm>
+          <a:off x="6747933" y="1499365"/>
+          <a:ext cx="1915249" cy="1197030"/>
+        </a:xfrm>
+        <a:prstGeom prst="roundRect">
+          <a:avLst>
+            <a:gd name="adj" fmla="val 10000"/>
+          </a:avLst>
+        </a:prstGeom>
+        <a:solidFill>
+          <a:schemeClr val="lt1">
+            <a:alpha val="90000"/>
+            <a:hueOff val="0"/>
+            <a:satOff val="0"/>
+            <a:lumOff val="0"/>
+            <a:alphaOff val="0"/>
+          </a:schemeClr>
+        </a:solidFill>
+        <a:ln w="19050" cap="rnd" cmpd="sng" algn="ctr">
+          <a:solidFill>
+            <a:schemeClr val="accent1">
+              <a:hueOff val="0"/>
+              <a:satOff val="0"/>
+              <a:lumOff val="0"/>
+              <a:alphaOff val="0"/>
+            </a:schemeClr>
+          </a:solidFill>
+          <a:prstDash val="solid"/>
+        </a:ln>
+        <a:effectLst/>
+      </dsp:spPr>
+      <dsp:style>
+        <a:lnRef idx="2">
+          <a:scrgbClr r="0" g="0" b="0"/>
+        </a:lnRef>
+        <a:fillRef idx="1">
+          <a:scrgbClr r="0" g="0" b="0"/>
+        </a:fillRef>
+        <a:effectRef idx="0">
+          <a:scrgbClr r="0" g="0" b="0"/>
+        </a:effectRef>
+        <a:fontRef idx="minor"/>
+      </dsp:style>
+      <dsp:txBody>
+        <a:bodyPr spcFirstLastPara="0" vert="horz" wrap="square" lIns="32385" tIns="21590" rIns="32385" bIns="21590" numCol="1" spcCol="1270" anchor="ctr" anchorCtr="0">
+          <a:noAutofit/>
+        </a:bodyPr>
+        <a:lstStyle/>
+        <a:p>
+          <a:pPr lvl="0" algn="ctr" defTabSz="755650">
+            <a:lnSpc>
+              <a:spcPct val="90000"/>
+            </a:lnSpc>
+            <a:spcBef>
+              <a:spcPct val="0"/>
+            </a:spcBef>
+            <a:spcAft>
+              <a:spcPct val="35000"/>
+            </a:spcAft>
+          </a:pPr>
+          <a:r>
+            <a:rPr lang="en-US" sz="1700" kern="1200" dirty="0" smtClean="0"/>
+            <a:t>Input: Image</a:t>
+          </a:r>
+        </a:p>
+        <a:p>
+          <a:pPr lvl="0" algn="ctr" defTabSz="755650">
+            <a:lnSpc>
+              <a:spcPct val="90000"/>
+            </a:lnSpc>
+            <a:spcBef>
+              <a:spcPct val="0"/>
+            </a:spcBef>
+            <a:spcAft>
+              <a:spcPct val="35000"/>
+            </a:spcAft>
+          </a:pPr>
+          <a:r>
+            <a:rPr lang="en-US" sz="1700" kern="1200" dirty="0" smtClean="0"/>
+            <a:t>Output: Classification &amp; Confidence</a:t>
+          </a:r>
+          <a:endParaRPr lang="en-US" sz="1700" kern="1200" dirty="0"/>
+        </a:p>
+      </dsp:txBody>
+      <dsp:txXfrm>
+        <a:off x="6782993" y="1534425"/>
+        <a:ext cx="1845129" cy="1126910"/>
+      </dsp:txXfrm>
+    </dsp:sp>
+    <dsp:sp modelId="{1271CF76-AE56-4ED1-A9A7-C512FDC8F19B}">
+      <dsp:nvSpPr>
+        <dsp:cNvPr id="0" name=""/>
+        <dsp:cNvSpPr/>
+      </dsp:nvSpPr>
+      <dsp:spPr>
+        <a:xfrm>
+          <a:off x="6508527" y="1200107"/>
+          <a:ext cx="239406" cy="2394061"/>
+        </a:xfrm>
+        <a:custGeom>
+          <a:avLst/>
+          <a:gdLst/>
+          <a:ahLst/>
+          <a:cxnLst/>
+          <a:rect l="0" t="0" r="0" b="0"/>
+          <a:pathLst>
+            <a:path>
+              <a:moveTo>
+                <a:pt x="0" y="0"/>
+              </a:moveTo>
+              <a:lnTo>
+                <a:pt x="0" y="2394061"/>
+              </a:lnTo>
+              <a:lnTo>
+                <a:pt x="239406" y="2394061"/>
+              </a:lnTo>
+            </a:path>
+          </a:pathLst>
+        </a:custGeom>
+        <a:noFill/>
+        <a:ln w="19050" cap="rnd" cmpd="sng" algn="ctr">
+          <a:solidFill>
+            <a:schemeClr val="accent1">
+              <a:shade val="60000"/>
+              <a:hueOff val="0"/>
+              <a:satOff val="0"/>
+              <a:lumOff val="0"/>
+              <a:alphaOff val="0"/>
+            </a:schemeClr>
+          </a:solidFill>
+          <a:prstDash val="solid"/>
+        </a:ln>
+        <a:effectLst/>
+      </dsp:spPr>
+      <dsp:style>
+        <a:lnRef idx="2">
+          <a:scrgbClr r="0" g="0" b="0"/>
+        </a:lnRef>
+        <a:fillRef idx="0">
+          <a:scrgbClr r="0" g="0" b="0"/>
+        </a:fillRef>
+        <a:effectRef idx="0">
+          <a:scrgbClr r="0" g="0" b="0"/>
+        </a:effectRef>
+        <a:fontRef idx="minor"/>
+      </dsp:style>
+    </dsp:sp>
+    <dsp:sp modelId="{83D97631-6F2D-4CD3-9150-363ACF972244}">
+      <dsp:nvSpPr>
+        <dsp:cNvPr id="0" name=""/>
+        <dsp:cNvSpPr/>
+      </dsp:nvSpPr>
+      <dsp:spPr>
+        <a:xfrm>
+          <a:off x="6747933" y="2995654"/>
+          <a:ext cx="1915249" cy="1197030"/>
+        </a:xfrm>
+        <a:prstGeom prst="roundRect">
+          <a:avLst>
+            <a:gd name="adj" fmla="val 10000"/>
+          </a:avLst>
+        </a:prstGeom>
+        <a:solidFill>
+          <a:schemeClr val="lt1">
+            <a:alpha val="90000"/>
+            <a:hueOff val="0"/>
+            <a:satOff val="0"/>
+            <a:lumOff val="0"/>
+            <a:alphaOff val="0"/>
+          </a:schemeClr>
+        </a:solidFill>
+        <a:ln w="19050" cap="rnd" cmpd="sng" algn="ctr">
+          <a:solidFill>
+            <a:schemeClr val="accent1">
+              <a:hueOff val="0"/>
+              <a:satOff val="0"/>
+              <a:lumOff val="0"/>
+              <a:alphaOff val="0"/>
+            </a:schemeClr>
+          </a:solidFill>
+          <a:prstDash val="solid"/>
+        </a:ln>
+        <a:effectLst/>
+      </dsp:spPr>
+      <dsp:style>
+        <a:lnRef idx="2">
+          <a:scrgbClr r="0" g="0" b="0"/>
+        </a:lnRef>
+        <a:fillRef idx="1">
+          <a:scrgbClr r="0" g="0" b="0"/>
+        </a:fillRef>
+        <a:effectRef idx="0">
+          <a:scrgbClr r="0" g="0" b="0"/>
+        </a:effectRef>
+        <a:fontRef idx="minor"/>
+      </dsp:style>
+      <dsp:txBody>
+        <a:bodyPr spcFirstLastPara="0" vert="horz" wrap="square" lIns="32385" tIns="21590" rIns="32385" bIns="21590" numCol="1" spcCol="1270" anchor="ctr" anchorCtr="0">
+          <a:noAutofit/>
+        </a:bodyPr>
+        <a:lstStyle/>
+        <a:p>
+          <a:pPr lvl="0" algn="ctr" defTabSz="755650">
+            <a:lnSpc>
+              <a:spcPct val="90000"/>
+            </a:lnSpc>
+            <a:spcBef>
+              <a:spcPct val="0"/>
+            </a:spcBef>
+            <a:spcAft>
+              <a:spcPct val="35000"/>
+            </a:spcAft>
+          </a:pPr>
+          <a:r>
+            <a:rPr lang="en-US" sz="1700" kern="1200" dirty="0" smtClean="0"/>
+            <a:t>Stretch Goal:</a:t>
+          </a:r>
+        </a:p>
+        <a:p>
+          <a:pPr lvl="0" algn="ctr" defTabSz="755650">
+            <a:lnSpc>
+              <a:spcPct val="90000"/>
+            </a:lnSpc>
+            <a:spcBef>
+              <a:spcPct val="0"/>
+            </a:spcBef>
+            <a:spcAft>
+              <a:spcPct val="35000"/>
+            </a:spcAft>
+          </a:pPr>
+          <a:r>
+            <a:rPr lang="en-US" sz="1700" kern="1200" dirty="0" smtClean="0"/>
+            <a:t>Input: Camera Capture</a:t>
+          </a:r>
+          <a:endParaRPr lang="en-US" sz="1700" kern="1200" dirty="0"/>
+        </a:p>
+      </dsp:txBody>
+      <dsp:txXfrm>
+        <a:off x="6782993" y="3030714"/>
+        <a:ext cx="1845129" cy="1126910"/>
+      </dsp:txXfrm>
+    </dsp:sp>
+  </dsp:spTree>
+</dsp:drawing>
+</file>
+
+<file path=ppt/diagrams/layout1.xml><?xml version="1.0" encoding="utf-8"?>
+<dgm:layoutDef xmlns:dgm="http://schemas.openxmlformats.org/drawingml/2006/diagram" xmlns:a="http://schemas.openxmlformats.org/drawingml/2006/main" uniqueId="urn:microsoft.com/office/officeart/2005/8/layout/hierarchy3">
+  <dgm:title val=""/>
+  <dgm:desc val=""/>
+  <dgm:catLst>
+    <dgm:cat type="hierarchy" pri="7000"/>
+    <dgm:cat type="list" pri="23000"/>
+    <dgm:cat type="relationship" pri="15000"/>
+    <dgm:cat type="convert" pri="7000"/>
+  </dgm:catLst>
+  <dgm:sampData>
+    <dgm:dataModel>
+      <dgm:ptLst>
+        <dgm:pt modelId="0" type="doc"/>
+        <dgm:pt modelId="1">
+          <dgm:prSet phldr="1"/>
+        </dgm:pt>
+        <dgm:pt modelId="11">
+          <dgm:prSet phldr="1"/>
+        </dgm:pt>
+        <dgm:pt modelId="12">
+          <dgm:prSet phldr="1"/>
+        </dgm:pt>
+        <dgm:pt modelId="2">
+          <dgm:prSet phldr="1"/>
+        </dgm:pt>
+        <dgm:pt modelId="21">
+          <dgm:prSet phldr="1"/>
+        </dgm:pt>
+        <dgm:pt modelId="22">
+          <dgm:prSet phldr="1"/>
+        </dgm:pt>
+      </dgm:ptLst>
+      <dgm:cxnLst>
+        <dgm:cxn modelId="4" srcId="0" destId="1" srcOrd="0" destOrd="0"/>
+        <dgm:cxn modelId="5" srcId="1" destId="11" srcOrd="0" destOrd="0"/>
+        <dgm:cxn modelId="6" srcId="1" destId="12" srcOrd="1" destOrd="0"/>
+        <dgm:cxn modelId="7" srcId="0" destId="2" srcOrd="1" destOrd="0"/>
+        <dgm:cxn modelId="8" srcId="2" destId="21" srcOrd="0" destOrd="0"/>
+        <dgm:cxn modelId="9" srcId="2" destId="22" srcOrd="1" destOrd="0"/>
+      </dgm:cxnLst>
+      <dgm:bg/>
+      <dgm:whole/>
+    </dgm:dataModel>
+  </dgm:sampData>
+  <dgm:styleData>
+    <dgm:dataModel>
+      <dgm:ptLst>
+        <dgm:pt modelId="0" type="doc"/>
+        <dgm:pt modelId="1"/>
+        <dgm:pt modelId="11"/>
+        <dgm:pt modelId="2"/>
+        <dgm:pt modelId="21"/>
+      </dgm:ptLst>
+      <dgm:cxnLst>
+        <dgm:cxn modelId="4" srcId="0" destId="1" srcOrd="0" destOrd="0"/>
+        <dgm:cxn modelId="5" srcId="0" destId="2" srcOrd="1" destOrd="0"/>
+        <dgm:cxn modelId="13" srcId="1" destId="11" srcOrd="0" destOrd="0"/>
+        <dgm:cxn modelId="23" srcId="2" destId="21" srcOrd="0" destOrd="0"/>
+      </dgm:cxnLst>
+      <dgm:bg/>
+      <dgm:whole/>
+    </dgm:dataModel>
+  </dgm:styleData>
+  <dgm:clrData>
+    <dgm:dataModel>
+      <dgm:ptLst>
+        <dgm:pt modelId="0" type="doc"/>
+        <dgm:pt modelId="1"/>
+        <dgm:pt modelId="11"/>
+        <dgm:pt modelId="2"/>
+        <dgm:pt modelId="21"/>
+        <dgm:pt modelId="3"/>
+        <dgm:pt modelId="31"/>
+        <dgm:pt modelId="4"/>
+        <dgm:pt modelId="41"/>
+      </dgm:ptLst>
+      <dgm:cxnLst>
+        <dgm:cxn modelId="5" srcId="0" destId="1" srcOrd="0" destOrd="0"/>
+        <dgm:cxn modelId="6" srcId="0" destId="2" srcOrd="1" destOrd="0"/>
+        <dgm:cxn modelId="7" srcId="0" destId="3" srcOrd="2" destOrd="0"/>
+        <dgm:cxn modelId="8" srcId="0" destId="4" srcOrd="3" destOrd="0"/>
+        <dgm:cxn modelId="13" srcId="1" destId="11" srcOrd="0" destOrd="0"/>
+        <dgm:cxn modelId="23" srcId="2" destId="21" srcOrd="0" destOrd="0"/>
+        <dgm:cxn modelId="33" srcId="3" destId="31" srcOrd="0" destOrd="0"/>
+        <dgm:cxn modelId="43" srcId="4" destId="41" srcOrd="0" destOrd="0"/>
+      </dgm:cxnLst>
+      <dgm:bg/>
+      <dgm:whole/>
+    </dgm:dataModel>
+  </dgm:clrData>
+  <dgm:layoutNode name="diagram">
+    <dgm:varLst>
+      <dgm:chPref val="1"/>
+      <dgm:dir/>
+      <dgm:animOne val="branch"/>
+      <dgm:animLvl val="lvl"/>
+      <dgm:resizeHandles/>
+    </dgm:varLst>
+    <dgm:choose name="Name0">
+      <dgm:if name="Name1" func="var" arg="dir" op="equ" val="norm">
+        <dgm:alg type="hierChild">
+          <dgm:param type="linDir" val="fromL"/>
+        </dgm:alg>
+      </dgm:if>
+      <dgm:else name="Name2">
+        <dgm:alg type="hierChild">
+          <dgm:param type="linDir" val="fromR"/>
+        </dgm:alg>
+      </dgm:else>
+    </dgm:choose>
+    <dgm:shape xmlns:r="http://schemas.openxmlformats.org/officeDocument/2006/relationships" r:blip="">
+      <dgm:adjLst/>
+    </dgm:shape>
+    <dgm:presOf/>
+    <dgm:constrLst>
+      <dgm:constr type="primFontSz" for="des" forName="rootText" op="equ" val="65"/>
+      <dgm:constr type="primFontSz" for="des" forName="childText" op="equ" val="65"/>
+      <dgm:constr type="w" for="des" forName="rootComposite" refType="w"/>
+      <dgm:constr type="h" for="des" forName="rootComposite" refType="w" fact="0.5"/>
+      <dgm:constr type="w" for="des" forName="childText" refType="w" refFor="des" refForName="rootComposite" fact="0.8"/>
+      <dgm:constr type="h" for="des" forName="childText" refType="h" refFor="des" refForName="rootComposite"/>
+      <dgm:constr type="sibSp" refType="w" refFor="des" refForName="rootComposite" fact="0.25"/>
+      <dgm:constr type="sibSp" for="des" forName="childShape" refType="h" refFor="des" refForName="childText" fact="0.25"/>
+      <dgm:constr type="sp" for="des" forName="root" refType="h" refFor="des" refForName="childText" fact="0.25"/>
+    </dgm:constrLst>
+    <dgm:ruleLst/>
+    <dgm:forEach name="Name3" axis="ch">
+      <dgm:forEach name="Name4" axis="self" ptType="node" cnt="1">
+        <dgm:layoutNode name="root">
+          <dgm:choose name="Name5">
+            <dgm:if name="Name6" func="var" arg="dir" op="equ" val="norm">
+              <dgm:alg type="hierRoot">
+                <dgm:param type="hierAlign" val="tL"/>
+              </dgm:alg>
+            </dgm:if>
+            <dgm:else name="Name7">
+              <dgm:alg type="hierRoot">
+                <dgm:param type="hierAlign" val="tR"/>
+              </dgm:alg>
+            </dgm:else>
+          </dgm:choose>
+          <dgm:shape xmlns:r="http://schemas.openxmlformats.org/officeDocument/2006/relationships" r:blip="">
+            <dgm:adjLst/>
+          </dgm:shape>
+          <dgm:presOf/>
+          <dgm:constrLst>
+            <dgm:constr type="alignOff" val="0.2"/>
+          </dgm:constrLst>
+          <dgm:ruleLst/>
+          <dgm:layoutNode name="rootComposite">
+            <dgm:alg type="composite"/>
+            <dgm:shape xmlns:r="http://schemas.openxmlformats.org/officeDocument/2006/relationships" r:blip="">
+              <dgm:adjLst/>
+            </dgm:shape>
+            <dgm:presOf axis="self" ptType="node" cnt="1"/>
+            <dgm:choose name="Name8">
+              <dgm:if name="Name9" func="var" arg="dir" op="equ" val="norm">
+                <dgm:constrLst>
+                  <dgm:constr type="l" for="ch" forName="rootText"/>
+                  <dgm:constr type="t" for="ch" forName="rootText"/>
+                  <dgm:constr type="w" for="ch" forName="rootText" refType="w"/>
+                  <dgm:constr type="h" for="ch" forName="rootText" refType="h"/>
+                  <dgm:constr type="l" for="ch" forName="rootConnector"/>
+                  <dgm:constr type="t" for="ch" forName="rootConnector"/>
+                  <dgm:constr type="w" for="ch" forName="rootConnector" refType="w" refFor="ch" refForName="rootText" fact="0.2"/>
+                  <dgm:constr type="h" for="ch" forName="rootConnector" refType="h" refFor="ch" refForName="rootText"/>
+                </dgm:constrLst>
+              </dgm:if>
+              <dgm:else name="Name10">
+                <dgm:constrLst>
+                  <dgm:constr type="l" for="ch" forName="rootText"/>
+                  <dgm:constr type="t" for="ch" forName="rootText"/>
+                  <dgm:constr type="w" for="ch" forName="rootText" refType="w"/>
+                  <dgm:constr type="h" for="ch" forName="rootText" refType="h"/>
+                  <dgm:constr type="r" for="ch" forName="rootConnector" refType="w"/>
+                  <dgm:constr type="t" for="ch" forName="rootConnector"/>
+                  <dgm:constr type="w" for="ch" forName="rootConnector" refType="w" refFor="ch" refForName="rootText" fact="0.2"/>
+                  <dgm:constr type="h" for="ch" forName="rootConnector" refType="h" refFor="ch" refForName="rootText"/>
+                </dgm:constrLst>
+              </dgm:else>
+            </dgm:choose>
+            <dgm:ruleLst/>
+            <dgm:layoutNode name="rootText" styleLbl="node1">
+              <dgm:alg type="tx"/>
+              <dgm:shape xmlns:r="http://schemas.openxmlformats.org/officeDocument/2006/relationships" type="roundRect" r:blip="">
+                <dgm:adjLst>
+                  <dgm:adj idx="1" val="0.1"/>
+                </dgm:adjLst>
+              </dgm:shape>
+              <dgm:presOf axis="self" ptType="node" cnt="1"/>
+              <dgm:constrLst>
+                <dgm:constr type="tMarg" refType="primFontSz" fact="0.1"/>
+                <dgm:constr type="bMarg" refType="primFontSz" fact="0.1"/>
+                <dgm:constr type="lMarg" refType="primFontSz" fact="0.15"/>
+                <dgm:constr type="rMarg" refType="primFontSz" fact="0.15"/>
+              </dgm:constrLst>
+              <dgm:ruleLst>
+                <dgm:rule type="primFontSz" val="5" fact="NaN" max="NaN"/>
+              </dgm:ruleLst>
+            </dgm:layoutNode>
+            <dgm:layoutNode name="rootConnector" moveWith="rootText">
+              <dgm:alg type="sp"/>
+              <dgm:shape xmlns:r="http://schemas.openxmlformats.org/officeDocument/2006/relationships" type="roundRect" r:blip="" hideGeom="1">
+                <dgm:adjLst>
+                  <dgm:adj idx="1" val="0.1"/>
+                </dgm:adjLst>
+              </dgm:shape>
+              <dgm:presOf axis="self" ptType="node" cnt="1"/>
+              <dgm:constrLst/>
+              <dgm:ruleLst/>
+            </dgm:layoutNode>
+          </dgm:layoutNode>
+          <dgm:layoutNode name="childShape">
+            <dgm:alg type="hierChild">
+              <dgm:param type="chAlign" val="l"/>
+              <dgm:param type="linDir" val="fromT"/>
+            </dgm:alg>
+            <dgm:shape xmlns:r="http://schemas.openxmlformats.org/officeDocument/2006/relationships" r:blip="">
+              <dgm:adjLst/>
+            </dgm:shape>
+            <dgm:presOf/>
+            <dgm:constrLst/>
+            <dgm:ruleLst/>
+            <dgm:forEach name="Name11" axis="ch">
+              <dgm:forEach name="Name12" axis="self" ptType="parTrans" cnt="1">
+                <dgm:layoutNode name="Name13">
+                  <dgm:choose name="Name14">
+                    <dgm:if name="Name15" func="var" arg="dir" op="equ" val="norm">
+                      <dgm:alg type="conn">
+                        <dgm:param type="dim" val="1D"/>
+                        <dgm:param type="endSty" val="noArr"/>
+                        <dgm:param type="connRout" val="bend"/>
+                        <dgm:param type="srcNode" val="rootConnector"/>
+                        <dgm:param type="begPts" val="bCtr"/>
+                        <dgm:param type="endPts" val="midL"/>
+                      </dgm:alg>
+                    </dgm:if>
+                    <dgm:else name="Name16">
+                      <dgm:alg type="conn">
+                        <dgm:param type="dim" val="1D"/>
+                        <dgm:param type="endSty" val="noArr"/>
+                        <dgm:param type="connRout" val="bend"/>
+                        <dgm:param type="srcNode" val="rootConnector"/>
+                        <dgm:param type="begPts" val="bCtr"/>
+                        <dgm:param type="endPts" val="midR"/>
+                      </dgm:alg>
+                    </dgm:else>
+                  </dgm:choose>
+                  <dgm:shape xmlns:r="http://schemas.openxmlformats.org/officeDocument/2006/relationships" type="conn" r:blip="">
+                    <dgm:adjLst/>
+                  </dgm:shape>
+                  <dgm:presOf axis="self"/>
+                  <dgm:constrLst>
+                    <dgm:constr type="begPad"/>
+                    <dgm:constr type="endPad"/>
+                  </dgm:constrLst>
+                  <dgm:ruleLst/>
+                </dgm:layoutNode>
+              </dgm:forEach>
+              <dgm:forEach name="Name17" axis="self" ptType="node">
+                <dgm:layoutNode name="childText" styleLbl="bgAcc1">
+                  <dgm:varLst>
+                    <dgm:bulletEnabled val="1"/>
+                  </dgm:varLst>
+                  <dgm:alg type="tx"/>
+                  <dgm:shape xmlns:r="http://schemas.openxmlformats.org/officeDocument/2006/relationships" type="roundRect" r:blip="">
+                    <dgm:adjLst>
+                      <dgm:adj idx="1" val="0.1"/>
+                    </dgm:adjLst>
+                  </dgm:shape>
+                  <dgm:presOf axis="self desOrSelf" ptType="node node" st="1 1" cnt="1 0"/>
+                  <dgm:constrLst>
+                    <dgm:constr type="tMarg" refType="primFontSz" fact="0.1"/>
+                    <dgm:constr type="bMarg" refType="primFontSz" fact="0.1"/>
+                    <dgm:constr type="lMarg" refType="primFontSz" fact="0.15"/>
+                    <dgm:constr type="rMarg" refType="primFontSz" fact="0.15"/>
+                  </dgm:constrLst>
+                  <dgm:ruleLst>
+                    <dgm:rule type="primFontSz" val="5" fact="NaN" max="NaN"/>
+                  </dgm:ruleLst>
+                </dgm:layoutNode>
+              </dgm:forEach>
+            </dgm:forEach>
+          </dgm:layoutNode>
+        </dgm:layoutNode>
+      </dgm:forEach>
+    </dgm:forEach>
+  </dgm:layoutNode>
+</dgm:layoutDef>
+</file>
+
+<file path=ppt/diagrams/quickStyle1.xml><?xml version="1.0" encoding="utf-8"?>
+<dgm:styleDef xmlns:dgm="http://schemas.openxmlformats.org/drawingml/2006/diagram" xmlns:a="http://schemas.openxmlformats.org/drawingml/2006/main" uniqueId="urn:microsoft.com/office/officeart/2005/8/quickstyle/simple1">
+  <dgm:title val=""/>
+  <dgm:desc val=""/>
+  <dgm:catLst>
+    <dgm:cat type="simple" pri="10100"/>
+  </dgm:catLst>
+  <dgm:scene3d>
+    <a:camera prst="orthographicFront"/>
+    <a:lightRig rig="threePt" dir="t"/>
+  </dgm:scene3d>
+  <dgm:styleLbl name="node0">
+    <dgm:scene3d>
+      <a:camera prst="orthographicFront"/>
+      <a:lightRig rig="threePt" dir="t"/>
+    </dgm:scene3d>
+    <dgm:sp3d/>
+    <dgm:txPr/>
+    <dgm:style>
+      <a:lnRef idx="2">
+        <a:scrgbClr r="0" g="0" b="0"/>
+      </a:lnRef>
+      <a:fillRef idx="1">
+        <a:scrgbClr r="0" g="0" b="0"/>
+      </a:fillRef>
+      <a:effectRef idx="0">
+        <a:scrgbClr r="0" g="0" b="0"/>
+      </a:effectRef>
+      <a:fontRef idx="minor">
+        <a:schemeClr val="lt1"/>
+      </a:fontRef>
+    </dgm:style>
+  </dgm:styleLbl>
+  <dgm:styleLbl name="lnNode1">
+    <dgm:scene3d>
+      <a:camera prst="orthographicFront"/>
+      <a:lightRig rig="threePt" dir="t"/>
+    </dgm:scene3d>
+    <dgm:sp3d/>
+    <dgm:txPr/>
+    <dgm:style>
+      <a:lnRef idx="2">
+        <a:scrgbClr r="0" g="0" b="0"/>
+      </a:lnRef>
+      <a:fillRef idx="1">
+        <a:scrgbClr r="0" g="0" b="0"/>
+      </a:fillRef>
+      <a:effectRef idx="0">
+        <a:scrgbClr r="0" g="0" b="0"/>
+      </a:effectRef>
+      <a:fontRef idx="minor">
+        <a:schemeClr val="lt1"/>
+      </a:fontRef>
+    </dgm:style>
+  </dgm:styleLbl>
+  <dgm:styleLbl name="vennNode1">
+    <dgm:scene3d>
+      <a:camera prst="orthographicFront"/>
+      <a:lightRig rig="threePt" dir="t"/>
+    </dgm:scene3d>
+    <dgm:sp3d/>
+    <dgm:txPr/>
+    <dgm:style>
+      <a:lnRef idx="2">
+        <a:scrgbClr r="0" g="0" b="0"/>
+      </a:lnRef>
+      <a:fillRef idx="1">
+        <a:scrgbClr r="0" g="0" b="0"/>
+      </a:fillRef>
+      <a:effectRef idx="0">
+        <a:scrgbClr r="0" g="0" b="0"/>
+      </a:effectRef>
+      <a:fontRef idx="minor">
+        <a:schemeClr val="tx1"/>
+      </a:fontRef>
+    </dgm:style>
+  </dgm:styleLbl>
+  <dgm:styleLbl name="alignNode1">
+    <dgm:scene3d>
+      <a:camera prst="orthographicFront"/>
+      <a:lightRig rig="threePt" dir="t"/>
+    </dgm:scene3d>
+    <dgm:sp3d/>
+    <dgm:txPr/>
+    <dgm:style>
+      <a:lnRef idx="2">
+        <a:scrgbClr r="0" g="0" b="0"/>
+      </a:lnRef>
+      <a:fillRef idx="1">
+        <a:scrgbClr r="0" g="0" b="0"/>
+      </a:fillRef>
+      <a:effectRef idx="0">
+        <a:scrgbClr r="0" g="0" b="0"/>
+      </a:effectRef>
+      <a:fontRef idx="minor">
+        <a:schemeClr val="lt1"/>
+      </a:fontRef>
+    </dgm:style>
+  </dgm:styleLbl>
+  <dgm:styleLbl name="node1">
+    <dgm:scene3d>
+      <a:camera prst="orthographicFront"/>
+      <a:lightRig rig="threePt" dir="t"/>
+    </dgm:scene3d>
+    <dgm:sp3d/>
+    <dgm:txPr/>
+    <dgm:style>
+      <a:lnRef idx="2">
+        <a:scrgbClr r="0" g="0" b="0"/>
+      </a:lnRef>
+      <a:fillRef idx="1">
+        <a:scrgbClr r="0" g="0" b="0"/>
+      </a:fillRef>
+      <a:effectRef idx="0">
+        <a:scrgbClr r="0" g="0" b="0"/>
+      </a:effectRef>
+      <a:fontRef idx="minor">
+        <a:schemeClr val="lt1"/>
+      </a:fontRef>
+    </dgm:style>
+  </dgm:styleLbl>
+  <dgm:styleLbl name="node2">
+    <dgm:scene3d>
+      <a:camera prst="orthographicFront"/>
+      <a:lightRig rig="threePt" dir="t"/>
+    </dgm:scene3d>
+    <dgm:sp3d/>
+    <dgm:txPr/>
+    <dgm:style>
+      <a:lnRef idx="2">
+        <a:scrgbClr r="0" g="0" b="0"/>
+      </a:lnRef>
+      <a:fillRef idx="1">
+        <a:scrgbClr r="0" g="0" b="0"/>
+      </a:fillRef>
+      <a:effectRef idx="0">
+        <a:scrgbClr r="0" g="0" b="0"/>
+      </a:effectRef>
+      <a:fontRef idx="minor">
+        <a:schemeClr val="lt1"/>
+      </a:fontRef>
+    </dgm:style>
+  </dgm:styleLbl>
+  <dgm:styleLbl name="node3">
+    <dgm:scene3d>
+      <a:camera prst="orthographicFront"/>
+      <a:lightRig rig="threePt" dir="t"/>
+    </dgm:scene3d>
+    <dgm:sp3d/>
+    <dgm:txPr/>
+    <dgm:style>
+      <a:lnRef idx="2">
+        <a:scrgbClr r="0" g="0" b="0"/>
+      </a:lnRef>
+      <a:fillRef idx="1">
+        <a:scrgbClr r="0" g="0" b="0"/>
+      </a:fillRef>
+      <a:effectRef idx="0">
+        <a:scrgbClr r="0" g="0" b="0"/>
+      </a:effectRef>
+      <a:fontRef idx="minor">
+        <a:schemeClr val="lt1"/>
+      </a:fontRef>
+    </dgm:style>
+  </dgm:styleLbl>
+  <dgm:styleLbl name="node4">
+    <dgm:scene3d>
+      <a:camera prst="orthographicFront"/>
+      <a:lightRig rig="threePt" dir="t"/>
+    </dgm:scene3d>
+    <dgm:sp3d/>
+    <dgm:txPr/>
+    <dgm:style>
+      <a:lnRef idx="2">
+        <a:scrgbClr r="0" g="0" b="0"/>
+      </a:lnRef>
+      <a:fillRef idx="1">
+        <a:scrgbClr r="0" g="0" b="0"/>
+      </a:fillRef>
+      <a:effectRef idx="0">
+        <a:scrgbClr r="0" g="0" b="0"/>
+      </a:effectRef>
+      <a:fontRef idx="minor">
+        <a:schemeClr val="lt1"/>
+      </a:fontRef>
+    </dgm:style>
+  </dgm:styleLbl>
+  <dgm:styleLbl name="fgImgPlace1">
+    <dgm:scene3d>
+      <a:camera prst="orthographicFront"/>
+      <a:lightRig rig="threePt" dir="t"/>
+    </dgm:scene3d>
+    <dgm:sp3d/>
+    <dgm:txPr/>
+    <dgm:style>
+      <a:lnRef idx="2">
+        <a:scrgbClr r="0" g="0" b="0"/>
+      </a:lnRef>
+      <a:fillRef idx="1">
+        <a:scrgbClr r="0" g="0" b="0"/>
+      </a:fillRef>
+      <a:effectRef idx="0">
+        <a:scrgbClr r="0" g="0" b="0"/>
+      </a:effectRef>
+      <a:fontRef idx="minor"/>
+    </dgm:style>
+  </dgm:styleLbl>
+  <dgm:styleLbl name="alignImgPlace1">
+    <dgm:scene3d>
+      <a:camera prst="orthographicFront"/>
+      <a:lightRig rig="threePt" dir="t"/>
+    </dgm:scene3d>
+    <dgm:sp3d/>
+    <dgm:txPr/>
+    <dgm:style>
+      <a:lnRef idx="2">
+        <a:scrgbClr r="0" g="0" b="0"/>
+      </a:lnRef>
+      <a:fillRef idx="1">
+        <a:scrgbClr r="0" g="0" b="0"/>
+      </a:fillRef>
+      <a:effectRef idx="0">
+        <a:scrgbClr r="0" g="0" b="0"/>
+      </a:effectRef>
+      <a:fontRef idx="minor"/>
+    </dgm:style>
+  </dgm:styleLbl>
+  <dgm:styleLbl name="bgImgPlace1">
+    <dgm:scene3d>
+      <a:camera prst="orthographicFront"/>
+      <a:lightRig rig="threePt" dir="t"/>
+    </dgm:scene3d>
+    <dgm:sp3d/>
+    <dgm:txPr/>
+    <dgm:style>
+      <a:lnRef idx="2">
+        <a:scrgbClr r="0" g="0" b="0"/>
+      </a:lnRef>
+      <a:fillRef idx="1">
+        <a:scrgbClr r="0" g="0" b="0"/>
+      </a:fillRef>
+      <a:effectRef idx="0">
+        <a:scrgbClr r="0" g="0" b="0"/>
+      </a:effectRef>
+      <a:fontRef idx="minor"/>
+    </dgm:style>
+  </dgm:styleLbl>
+  <dgm:styleLbl name="sibTrans2D1">
+    <dgm:scene3d>
+      <a:camera prst="orthographicFront"/>
+      <a:lightRig rig="threePt" dir="t"/>
+    </dgm:scene3d>
+    <dgm:sp3d/>
+    <dgm:txPr/>
+    <dgm:style>
+      <a:lnRef idx="0">
+        <a:scrgbClr r="0" g="0" b="0"/>
+      </a:lnRef>
+      <a:fillRef idx="1">
+        <a:scrgbClr r="0" g="0" b="0"/>
+      </a:fillRef>
+      <a:effectRef idx="0">
+        <a:scrgbClr r="0" g="0" b="0"/>
+      </a:effectRef>
+      <a:fontRef idx="minor">
+        <a:schemeClr val="lt1"/>
+      </a:fontRef>
+    </dgm:style>
+  </dgm:styleLbl>
+  <dgm:styleLbl name="fgSibTrans2D1">
+    <dgm:scene3d>
+      <a:camera prst="orthographicFront"/>
+      <a:lightRig rig="threePt" dir="t"/>
+    </dgm:scene3d>
+    <dgm:sp3d/>
+    <dgm:txPr/>
+    <dgm:style>
+      <a:lnRef idx="0">
+        <a:scrgbClr r="0" g="0" b="0"/>
+      </a:lnRef>
+      <a:fillRef idx="1">
+        <a:scrgbClr r="0" g="0" b="0"/>
+      </a:fillRef>
+      <a:effectRef idx="0">
+        <a:scrgbClr r="0" g="0" b="0"/>
+      </a:effectRef>
+      <a:fontRef idx="minor">
+        <a:schemeClr val="lt1"/>
+      </a:fontRef>
+    </dgm:style>
+  </dgm:styleLbl>
+  <dgm:styleLbl name="bgSibTrans2D1">
+    <dgm:scene3d>
+      <a:camera prst="orthographicFront"/>
+      <a:lightRig rig="threePt" dir="t"/>
+    </dgm:scene3d>
+    <dgm:sp3d/>
+    <dgm:txPr/>
+    <dgm:style>
+      <a:lnRef idx="0">
+        <a:scrgbClr r="0" g="0" b="0"/>
+      </a:lnRef>
+      <a:fillRef idx="1">
+        <a:scrgbClr r="0" g="0" b="0"/>
+      </a:fillRef>
+      <a:effectRef idx="0">
+        <a:scrgbClr r="0" g="0" b="0"/>
+      </a:effectRef>
+      <a:fontRef idx="minor">
+        <a:schemeClr val="lt1"/>
+      </a:fontRef>
+    </dgm:style>
+  </dgm:styleLbl>
+  <dgm:styleLbl name="sibTrans1D1">
+    <dgm:scene3d>
+      <a:camera prst="orthographicFront"/>
+      <a:lightRig rig="threePt" dir="t"/>
+    </dgm:scene3d>
+    <dgm:sp3d/>
+    <dgm:txPr/>
+    <dgm:style>
+      <a:lnRef idx="1">
+        <a:scrgbClr r="0" g="0" b="0"/>
+      </a:lnRef>
+      <a:fillRef idx="0">
+        <a:scrgbClr r="0" g="0" b="0"/>
+      </a:fillRef>
+      <a:effectRef idx="0">
+        <a:scrgbClr r="0" g="0" b="0"/>
+      </a:effectRef>
+      <a:fontRef idx="minor"/>
+    </dgm:style>
+  </dgm:styleLbl>
+  <dgm:styleLbl name="callout">
+    <dgm:scene3d>
+      <a:camera prst="orthographicFront"/>
+      <a:lightRig rig="threePt" dir="t"/>
+    </dgm:scene3d>
+    <dgm:sp3d/>
+    <dgm:txPr/>
+    <dgm:style>
+      <a:lnRef idx="2">
+        <a:scrgbClr r="0" g="0" b="0"/>
+      </a:lnRef>
+      <a:fillRef idx="1">
+        <a:scrgbClr r="0" g="0" b="0"/>
+      </a:fillRef>
+      <a:effectRef idx="0">
+        <a:scrgbClr r="0" g="0" b="0"/>
+      </a:effectRef>
+      <a:fontRef idx="minor"/>
+    </dgm:style>
+  </dgm:styleLbl>
+  <dgm:styleLbl name="asst0">
+    <dgm:scene3d>
+      <a:camera prst="orthographicFront"/>
+      <a:lightRig rig="threePt" dir="t"/>
+    </dgm:scene3d>
+    <dgm:sp3d/>
+    <dgm:txPr/>
+    <dgm:style>
+      <a:lnRef idx="2">
+        <a:scrgbClr r="0" g="0" b="0"/>
+      </a:lnRef>
+      <a:fillRef idx="1">
+        <a:scrgbClr r="0" g="0" b="0"/>
+      </a:fillRef>
+      <a:effectRef idx="0">
+        <a:scrgbClr r="0" g="0" b="0"/>
+      </a:effectRef>
+      <a:fontRef idx="minor">
+        <a:schemeClr val="lt1"/>
+      </a:fontRef>
+    </dgm:style>
+  </dgm:styleLbl>
+  <dgm:styleLbl name="asst1">
+    <dgm:scene3d>
+      <a:camera prst="orthographicFront"/>
+      <a:lightRig rig="threePt" dir="t"/>
+    </dgm:scene3d>
+    <dgm:sp3d/>
+    <dgm:txPr/>
+    <dgm:style>
+      <a:lnRef idx="2">
+        <a:scrgbClr r="0" g="0" b="0"/>
+      </a:lnRef>
+      <a:fillRef idx="1">
+        <a:scrgbClr r="0" g="0" b="0"/>
+      </a:fillRef>
+      <a:effectRef idx="0">
+        <a:scrgbClr r="0" g="0" b="0"/>
+      </a:effectRef>
+      <a:fontRef idx="minor">
+        <a:schemeClr val="lt1"/>
+      </a:fontRef>
+    </dgm:style>
+  </dgm:styleLbl>
+  <dgm:styleLbl name="asst2">
+    <dgm:scene3d>
+      <a:camera prst="orthographicFront"/>
+      <a:lightRig rig="threePt" dir="t"/>
+    </dgm:scene3d>
+    <dgm:sp3d/>
+    <dgm:txPr/>
+    <dgm:style>
+      <a:lnRef idx="2">
+        <a:scrgbClr r="0" g="0" b="0"/>
+      </a:lnRef>
+      <a:fillRef idx="1">
+        <a:scrgbClr r="0" g="0" b="0"/>
+      </a:fillRef>
+      <a:effectRef idx="0">
+        <a:scrgbClr r="0" g="0" b="0"/>
+      </a:effectRef>
+      <a:fontRef idx="minor">
+        <a:schemeClr val="lt1"/>
+      </a:fontRef>
+    </dgm:style>
+  </dgm:styleLbl>
+  <dgm:styleLbl name="asst3">
+    <dgm:scene3d>
+      <a:camera prst="orthographicFront"/>
+      <a:lightRig rig="threePt" dir="t"/>
+    </dgm:scene3d>
+    <dgm:sp3d/>
+    <dgm:txPr/>
+    <dgm:style>
+      <a:lnRef idx="2">
+        <a:scrgbClr r="0" g="0" b="0"/>
+      </a:lnRef>
+      <a:fillRef idx="1">
+        <a:scrgbClr r="0" g="0" b="0"/>
+      </a:fillRef>
+      <a:effectRef idx="0">
+        <a:scrgbClr r="0" g="0" b="0"/>
+      </a:effectRef>
+      <a:fontRef idx="minor">
+        <a:schemeClr val="lt1"/>
+      </a:fontRef>
+    </dgm:style>
+  </dgm:styleLbl>
+  <dgm:styleLbl name="asst4">
+    <dgm:scene3d>
+      <a:camera prst="orthographicFront"/>
+      <a:lightRig rig="threePt" dir="t"/>
+    </dgm:scene3d>
+    <dgm:sp3d/>
+    <dgm:txPr/>
+    <dgm:style>
+      <a:lnRef idx="2">
+        <a:scrgbClr r="0" g="0" b="0"/>
+      </a:lnRef>
+      <a:fillRef idx="1">
+        <a:scrgbClr r="0" g="0" b="0"/>
+      </a:fillRef>
+      <a:effectRef idx="0">
+        <a:scrgbClr r="0" g="0" b="0"/>
+      </a:effectRef>
+      <a:fontRef idx="minor">
+        <a:schemeClr val="lt1"/>
+      </a:fontRef>
+    </dgm:style>
+  </dgm:styleLbl>
+  <dgm:styleLbl name="parChTrans2D1">
+    <dgm:scene3d>
+      <a:camera prst="orthographicFront"/>
+      <a:lightRig rig="threePt" dir="t"/>
+    </dgm:scene3d>
+    <dgm:sp3d/>
+    <dgm:txPr/>
+    <dgm:style>
+      <a:lnRef idx="2">
+        <a:scrgbClr r="0" g="0" b="0"/>
+      </a:lnRef>
+      <a:fillRef idx="1">
+        <a:scrgbClr r="0" g="0" b="0"/>
+      </a:fillRef>
+      <a:effectRef idx="0">
+        <a:scrgbClr r="0" g="0" b="0"/>
+      </a:effectRef>
+      <a:fontRef idx="minor">
+        <a:schemeClr val="lt1"/>
+      </a:fontRef>
+    </dgm:style>
+  </dgm:styleLbl>
+  <dgm:styleLbl name="parChTrans2D2">
+    <dgm:scene3d>
+      <a:camera prst="orthographicFront"/>
+      <a:lightRig rig="threePt" dir="t"/>
+    </dgm:scene3d>
+    <dgm:sp3d/>
+    <dgm:txPr/>
+    <dgm:style>
+      <a:lnRef idx="2">
+        <a:scrgbClr r="0" g="0" b="0"/>
+      </a:lnRef>
+      <a:fillRef idx="1">
+        <a:scrgbClr r="0" g="0" b="0"/>
+      </a:fillRef>
+      <a:effectRef idx="0">
+        <a:scrgbClr r="0" g="0" b="0"/>
+      </a:effectRef>
+      <a:fontRef idx="minor">
+        <a:schemeClr val="lt1"/>
+      </a:fontRef>
+    </dgm:style>
+  </dgm:styleLbl>
+  <dgm:styleLbl name="parChTrans2D3">
+    <dgm:scene3d>
+      <a:camera prst="orthographicFront"/>
+      <a:lightRig rig="threePt" dir="t"/>
+    </dgm:scene3d>
+    <dgm:sp3d/>
+    <dgm:txPr/>
+    <dgm:style>
+      <a:lnRef idx="2">
+        <a:scrgbClr r="0" g="0" b="0"/>
+      </a:lnRef>
+      <a:fillRef idx="1">
+        <a:scrgbClr r="0" g="0" b="0"/>
+      </a:fillRef>
+      <a:effectRef idx="0">
+        <a:scrgbClr r="0" g="0" b="0"/>
+      </a:effectRef>
+      <a:fontRef idx="minor">
+        <a:schemeClr val="lt1"/>
+      </a:fontRef>
+    </dgm:style>
+  </dgm:styleLbl>
+  <dgm:styleLbl name="parChTrans2D4">
+    <dgm:scene3d>
+      <a:camera prst="orthographicFront"/>
+      <a:lightRig rig="threePt" dir="t"/>
+    </dgm:scene3d>
+    <dgm:sp3d/>
+    <dgm:txPr/>
+    <dgm:style>
+      <a:lnRef idx="2">
+        <a:scrgbClr r="0" g="0" b="0"/>
+      </a:lnRef>
+      <a:fillRef idx="1">
+        <a:scrgbClr r="0" g="0" b="0"/>
+      </a:fillRef>
+      <a:effectRef idx="0">
+        <a:scrgbClr r="0" g="0" b="0"/>
+      </a:effectRef>
+      <a:fontRef idx="minor">
+        <a:schemeClr val="lt1"/>
+      </a:fontRef>
+    </dgm:style>
+  </dgm:styleLbl>
+  <dgm:styleLbl name="parChTrans1D1">
+    <dgm:scene3d>
+      <a:camera prst="orthographicFront"/>
+      <a:lightRig rig="threePt" dir="t"/>
+    </dgm:scene3d>
+    <dgm:sp3d/>
+    <dgm:txPr/>
+    <dgm:style>
+      <a:lnRef idx="2">
+        <a:scrgbClr r="0" g="0" b="0"/>
+      </a:lnRef>
+      <a:fillRef idx="0">
+        <a:scrgbClr r="0" g="0" b="0"/>
+      </a:fillRef>
+      <a:effectRef idx="0">
+        <a:scrgbClr r="0" g="0" b="0"/>
+      </a:effectRef>
+      <a:fontRef idx="minor"/>
+    </dgm:style>
+  </dgm:styleLbl>
+  <dgm:styleLbl name="parChTrans1D2">
+    <dgm:scene3d>
+      <a:camera prst="orthographicFront"/>
+      <a:lightRig rig="threePt" dir="t"/>
+    </dgm:scene3d>
+    <dgm:sp3d/>
+    <dgm:txPr/>
+    <dgm:style>
+      <a:lnRef idx="2">
+        <a:scrgbClr r="0" g="0" b="0"/>
+      </a:lnRef>
+      <a:fillRef idx="0">
+        <a:scrgbClr r="0" g="0" b="0"/>
+      </a:fillRef>
+      <a:effectRef idx="0">
+        <a:scrgbClr r="0" g="0" b="0"/>
+      </a:effectRef>
+      <a:fontRef idx="minor"/>
+    </dgm:style>
+  </dgm:styleLbl>
+  <dgm:styleLbl name="parChTrans1D3">
+    <dgm:scene3d>
+      <a:camera prst="orthographicFront"/>
+      <a:lightRig rig="threePt" dir="t"/>
+    </dgm:scene3d>
+    <dgm:sp3d/>
+    <dgm:txPr/>
+    <dgm:style>
+      <a:lnRef idx="2">
+        <a:scrgbClr r="0" g="0" b="0"/>
+      </a:lnRef>
+      <a:fillRef idx="0">
+        <a:scrgbClr r="0" g="0" b="0"/>
+      </a:fillRef>
+      <a:effectRef idx="0">
+        <a:scrgbClr r="0" g="0" b="0"/>
+      </a:effectRef>
+      <a:fontRef idx="minor"/>
+    </dgm:style>
+  </dgm:styleLbl>
+  <dgm:styleLbl name="parChTrans1D4">
+    <dgm:scene3d>
+      <a:camera prst="orthographicFront"/>
+      <a:lightRig rig="threePt" dir="t"/>
+    </dgm:scene3d>
+    <dgm:sp3d/>
+    <dgm:txPr/>
+    <dgm:style>
+      <a:lnRef idx="2">
+        <a:scrgbClr r="0" g="0" b="0"/>
+      </a:lnRef>
+      <a:fillRef idx="0">
+        <a:scrgbClr r="0" g="0" b="0"/>
+      </a:fillRef>
+      <a:effectRef idx="0">
+        <a:scrgbClr r="0" g="0" b="0"/>
+      </a:effectRef>
+      <a:fontRef idx="minor"/>
+    </dgm:style>
+  </dgm:styleLbl>
+  <dgm:styleLbl name="fgAcc1">
+    <dgm:scene3d>
+      <a:camera prst="orthographicFront"/>
+      <a:lightRig rig="threePt" dir="t"/>
+    </dgm:scene3d>
+    <dgm:sp3d/>
+    <dgm:txPr/>
+    <dgm:style>
+      <a:lnRef idx="2">
+        <a:scrgbClr r="0" g="0" b="0"/>
+      </a:lnRef>
+      <a:fillRef idx="1">
+        <a:scrgbClr r="0" g="0" b="0"/>
+      </a:fillRef>
+      <a:effectRef idx="0">
+        <a:scrgbClr r="0" g="0" b="0"/>
+      </a:effectRef>
+      <a:fontRef idx="minor"/>
+    </dgm:style>
+  </dgm:styleLbl>
+  <dgm:styleLbl name="conFgAcc1">
+    <dgm:scene3d>
+      <a:camera prst="orthographicFront"/>
+      <a:lightRig rig="threePt" dir="t"/>
+    </dgm:scene3d>
+    <dgm:sp3d/>
+    <dgm:txPr/>
+    <dgm:style>
+      <a:lnRef idx="2">
+        <a:scrgbClr r="0" g="0" b="0"/>
+      </a:lnRef>
+      <a:fillRef idx="1">
+        <a:scrgbClr r="0" g="0" b="0"/>
+      </a:fillRef>
+      <a:effectRef idx="0">
+        <a:scrgbClr r="0" g="0" b="0"/>
+      </a:effectRef>
+      <a:fontRef idx="minor"/>
+    </dgm:style>
+  </dgm:styleLbl>
+  <dgm:styleLbl name="alignAcc1">
+    <dgm:scene3d>
+      <a:camera prst="orthographicFront"/>
+      <a:lightRig rig="threePt" dir="t"/>
+    </dgm:scene3d>
+    <dgm:sp3d/>
+    <dgm:txPr/>
+    <dgm:style>
+      <a:lnRef idx="2">
+        <a:scrgbClr r="0" g="0" b="0"/>
+      </a:lnRef>
+      <a:fillRef idx="1">
+        <a:scrgbClr r="0" g="0" b="0"/>
+      </a:fillRef>
+      <a:effectRef idx="0">
+        <a:scrgbClr r="0" g="0" b="0"/>
+      </a:effectRef>
+      <a:fontRef idx="minor"/>
+    </dgm:style>
+  </dgm:styleLbl>
+  <dgm:styleLbl name="trAlignAcc1">
+    <dgm:scene3d>
+      <a:camera prst="orthographicFront"/>
+      <a:lightRig rig="threePt" dir="t"/>
+    </dgm:scene3d>
+    <dgm:sp3d/>
+    <dgm:txPr/>
+    <dgm:style>
+      <a:lnRef idx="1">
+        <a:scrgbClr r="0" g="0" b="0"/>
+      </a:lnRef>
+      <a:fillRef idx="1">
+        <a:scrgbClr r="0" g="0" b="0"/>
+      </a:fillRef>
+      <a:effectRef idx="0">
+        <a:scrgbClr r="0" g="0" b="0"/>
+      </a:effectRef>
+      <a:fontRef idx="minor"/>
+    </dgm:style>
+  </dgm:styleLbl>
+  <dgm:styleLbl name="bgAcc1">
+    <dgm:scene3d>
+      <a:camera prst="orthographicFront"/>
+      <a:lightRig rig="threePt" dir="t"/>
+    </dgm:scene3d>
+    <dgm:sp3d/>
+    <dgm:txPr/>
+    <dgm:style>
+      <a:lnRef idx="2">
+        <a:scrgbClr r="0" g="0" b="0"/>
+      </a:lnRef>
+      <a:fillRef idx="1">
+        <a:scrgbClr r="0" g="0" b="0"/>
+      </a:fillRef>
+      <a:effectRef idx="0">
+        <a:scrgbClr r="0" g="0" b="0"/>
+      </a:effectRef>
+      <a:fontRef idx="minor"/>
+    </dgm:style>
+  </dgm:styleLbl>
+  <dgm:styleLbl name="solidFgAcc1">
+    <dgm:scene3d>
+      <a:camera prst="orthographicFront"/>
+      <a:lightRig rig="threePt" dir="t"/>
+    </dgm:scene3d>
+    <dgm:sp3d/>
+    <dgm:txPr/>
+    <dgm:style>
+      <a:lnRef idx="2">
+        <a:scrgbClr r="0" g="0" b="0"/>
+      </a:lnRef>
+      <a:fillRef idx="1">
+        <a:scrgbClr r="0" g="0" b="0"/>
+      </a:fillRef>
+      <a:effectRef idx="0">
+        <a:scrgbClr r="0" g="0" b="0"/>
+      </a:effectRef>
+      <a:fontRef idx="minor"/>
+    </dgm:style>
+  </dgm:styleLbl>
+  <dgm:styleLbl name="solidAlignAcc1">
+    <dgm:scene3d>
+      <a:camera prst="orthographicFront"/>
+      <a:lightRig rig="threePt" dir="t"/>
+    </dgm:scene3d>
+    <dgm:sp3d/>
+    <dgm:txPr/>
+    <dgm:style>
+      <a:lnRef idx="2">
+        <a:scrgbClr r="0" g="0" b="0"/>
+      </a:lnRef>
+      <a:fillRef idx="1">
+        <a:scrgbClr r="0" g="0" b="0"/>
+      </a:fillRef>
+      <a:effectRef idx="0">
+        <a:scrgbClr r="0" g="0" b="0"/>
+      </a:effectRef>
+      <a:fontRef idx="minor"/>
+    </dgm:style>
+  </dgm:styleLbl>
+  <dgm:styleLbl name="solidBgAcc1">
+    <dgm:scene3d>
+      <a:camera prst="orthographicFront"/>
+      <a:lightRig rig="threePt" dir="t"/>
+    </dgm:scene3d>
+    <dgm:sp3d/>
+    <dgm:txPr/>
+    <dgm:style>
+      <a:lnRef idx="2">
+        <a:scrgbClr r="0" g="0" b="0"/>
+      </a:lnRef>
+      <a:fillRef idx="1">
+        <a:scrgbClr r="0" g="0" b="0"/>
+      </a:fillRef>
+      <a:effectRef idx="0">
+        <a:scrgbClr r="0" g="0" b="0"/>
+      </a:effectRef>
+      <a:fontRef idx="minor"/>
+    </dgm:style>
+  </dgm:styleLbl>
+  <dgm:styleLbl name="fgAccFollowNode1">
+    <dgm:scene3d>
+      <a:camera prst="orthographicFront"/>
+      <a:lightRig rig="threePt" dir="t"/>
+    </dgm:scene3d>
+    <dgm:sp3d/>
+    <dgm:txPr/>
+    <dgm:style>
+      <a:lnRef idx="2">
+        <a:scrgbClr r="0" g="0" b="0"/>
+      </a:lnRef>
+      <a:fillRef idx="1">
+        <a:scrgbClr r="0" g="0" b="0"/>
+      </a:fillRef>
+      <a:effectRef idx="0">
+        <a:scrgbClr r="0" g="0" b="0"/>
+      </a:effectRef>
+      <a:fontRef idx="minor"/>
+    </dgm:style>
+  </dgm:styleLbl>
+  <dgm:styleLbl name="alignAccFollowNode1">
+    <dgm:scene3d>
+      <a:camera prst="orthographicFront"/>
+      <a:lightRig rig="threePt" dir="t"/>
+    </dgm:scene3d>
+    <dgm:sp3d/>
+    <dgm:txPr/>
+    <dgm:style>
+      <a:lnRef idx="2">
+        <a:scrgbClr r="0" g="0" b="0"/>
+      </a:lnRef>
+      <a:fillRef idx="1">
+        <a:scrgbClr r="0" g="0" b="0"/>
+      </a:fillRef>
+      <a:effectRef idx="0">
+        <a:scrgbClr r="0" g="0" b="0"/>
+      </a:effectRef>
+      <a:fontRef idx="minor"/>
+    </dgm:style>
+  </dgm:styleLbl>
+  <dgm:styleLbl name="bgAccFollowNode1">
+    <dgm:scene3d>
+      <a:camera prst="orthographicFront"/>
+      <a:lightRig rig="threePt" dir="t"/>
+    </dgm:scene3d>
+    <dgm:sp3d/>
+    <dgm:txPr/>
+    <dgm:style>
+      <a:lnRef idx="2">
+        <a:scrgbClr r="0" g="0" b="0"/>
+      </a:lnRef>
+      <a:fillRef idx="1">
+        <a:scrgbClr r="0" g="0" b="0"/>
+      </a:fillRef>
+      <a:effectRef idx="0">
+        <a:scrgbClr r="0" g="0" b="0"/>
+      </a:effectRef>
+      <a:fontRef idx="minor"/>
+    </dgm:style>
+  </dgm:styleLbl>
+  <dgm:styleLbl name="fgAcc0">
+    <dgm:scene3d>
+      <a:camera prst="orthographicFront"/>
+      <a:lightRig rig="threePt" dir="t"/>
+    </dgm:scene3d>
+    <dgm:sp3d/>
+    <dgm:txPr/>
+    <dgm:style>
+      <a:lnRef idx="2">
+        <a:scrgbClr r="0" g="0" b="0"/>
+      </a:lnRef>
+      <a:fillRef idx="1">
+        <a:scrgbClr r="0" g="0" b="0"/>
+      </a:fillRef>
+      <a:effectRef idx="0">
+        <a:scrgbClr r="0" g="0" b="0"/>
+      </a:effectRef>
+      <a:fontRef idx="minor"/>
+    </dgm:style>
+  </dgm:styleLbl>
+  <dgm:styleLbl name="fgAcc2">
+    <dgm:scene3d>
+      <a:camera prst="orthographicFront"/>
+      <a:lightRig rig="threePt" dir="t"/>
+    </dgm:scene3d>
+    <dgm:sp3d/>
+    <dgm:txPr/>
+    <dgm:style>
+      <a:lnRef idx="2">
+        <a:scrgbClr r="0" g="0" b="0"/>
+      </a:lnRef>
+      <a:fillRef idx="1">
+        <a:scrgbClr r="0" g="0" b="0"/>
+      </a:fillRef>
+      <a:effectRef idx="0">
+        <a:scrgbClr r="0" g="0" b="0"/>
+      </a:effectRef>
+      <a:fontRef idx="minor"/>
+    </dgm:style>
+  </dgm:styleLbl>
+  <dgm:styleLbl name="fgAcc3">
+    <dgm:scene3d>
+      <a:camera prst="orthographicFront"/>
+      <a:lightRig rig="threePt" dir="t"/>
+    </dgm:scene3d>
+    <dgm:sp3d/>
+    <dgm:txPr/>
+    <dgm:style>
+      <a:lnRef idx="2">
+        <a:scrgbClr r="0" g="0" b="0"/>
+      </a:lnRef>
+      <a:fillRef idx="1">
+        <a:scrgbClr r="0" g="0" b="0"/>
+      </a:fillRef>
+      <a:effectRef idx="0">
+        <a:scrgbClr r="0" g="0" b="0"/>
+      </a:effectRef>
+      <a:fontRef idx="minor"/>
+    </dgm:style>
+  </dgm:styleLbl>
+  <dgm:styleLbl name="fgAcc4">
+    <dgm:scene3d>
+      <a:camera prst="orthographicFront"/>
+      <a:lightRig rig="threePt" dir="t"/>
+    </dgm:scene3d>
+    <dgm:sp3d/>
+    <dgm:txPr/>
+    <dgm:style>
+      <a:lnRef idx="2">
+        <a:scrgbClr r="0" g="0" b="0"/>
+      </a:lnRef>
+      <a:fillRef idx="1">
+        <a:scrgbClr r="0" g="0" b="0"/>
+      </a:fillRef>
+      <a:effectRef idx="0">
+        <a:scrgbClr r="0" g="0" b="0"/>
+      </a:effectRef>
+      <a:fontRef idx="minor"/>
+    </dgm:style>
+  </dgm:styleLbl>
+  <dgm:styleLbl name="bgShp">
+    <dgm:scene3d>
+      <a:camera prst="orthographicFront"/>
+      <a:lightRig rig="threePt" dir="t"/>
+    </dgm:scene3d>
+    <dgm:sp3d/>
+    <dgm:txPr/>
+    <dgm:style>
+      <a:lnRef idx="0">
+        <a:scrgbClr r="0" g="0" b="0"/>
+      </a:lnRef>
+      <a:fillRef idx="1">
+        <a:scrgbClr r="0" g="0" b="0"/>
+      </a:fillRef>
+      <a:effectRef idx="0">
+        <a:scrgbClr r="0" g="0" b="0"/>
+      </a:effectRef>
+      <a:fontRef idx="minor"/>
+    </dgm:style>
+  </dgm:styleLbl>
+  <dgm:styleLbl name="dkBgShp">
+    <dgm:scene3d>
+      <a:camera prst="orthographicFront"/>
+      <a:lightRig rig="threePt" dir="t"/>
+    </dgm:scene3d>
+    <dgm:sp3d/>
+    <dgm:txPr/>
+    <dgm:style>
+      <a:lnRef idx="0">
+        <a:scrgbClr r="0" g="0" b="0"/>
+      </a:lnRef>
+      <a:fillRef idx="1">
+        <a:scrgbClr r="0" g="0" b="0"/>
+      </a:fillRef>
+      <a:effectRef idx="0">
+        <a:scrgbClr r="0" g="0" b="0"/>
+      </a:effectRef>
+      <a:fontRef idx="minor"/>
+    </dgm:style>
+  </dgm:styleLbl>
+  <dgm:styleLbl name="trBgShp">
+    <dgm:scene3d>
+      <a:camera prst="orthographicFront"/>
+      <a:lightRig rig="threePt" dir="t"/>
+    </dgm:scene3d>
+    <dgm:sp3d/>
+    <dgm:txPr/>
+    <dgm:style>
+      <a:lnRef idx="0">
+        <a:scrgbClr r="0" g="0" b="0"/>
+      </a:lnRef>
+      <a:fillRef idx="1">
+        <a:scrgbClr r="0" g="0" b="0"/>
+      </a:fillRef>
+      <a:effectRef idx="0">
+        <a:scrgbClr r="0" g="0" b="0"/>
+      </a:effectRef>
+      <a:fontRef idx="minor"/>
+    </dgm:style>
+  </dgm:styleLbl>
+  <dgm:styleLbl name="fgShp">
+    <dgm:scene3d>
+      <a:camera prst="orthographicFront"/>
+      <a:lightRig rig="threePt" dir="t"/>
+    </dgm:scene3d>
+    <dgm:sp3d/>
+    <dgm:txPr/>
+    <dgm:style>
+      <a:lnRef idx="2">
+        <a:scrgbClr r="0" g="0" b="0"/>
+      </a:lnRef>
+      <a:fillRef idx="1">
+        <a:scrgbClr r="0" g="0" b="0"/>
+      </a:fillRef>
+      <a:effectRef idx="0">
+        <a:scrgbClr r="0" g="0" b="0"/>
+      </a:effectRef>
+      <a:fontRef idx="minor"/>
+    </dgm:style>
+  </dgm:styleLbl>
+  <dgm:styleLbl name="revTx">
+    <dgm:scene3d>
+      <a:camera prst="orthographicFront"/>
+      <a:lightRig rig="threePt" dir="t"/>
+    </dgm:scene3d>
+    <dgm:sp3d/>
+    <dgm:txPr/>
+    <dgm:style>
+      <a:lnRef idx="0">
+        <a:scrgbClr r="0" g="0" b="0"/>
+      </a:lnRef>
+      <a:fillRef idx="0">
+        <a:scrgbClr r="0" g="0" b="0"/>
+      </a:fillRef>
+      <a:effectRef idx="0">
+        <a:scrgbClr r="0" g="0" b="0"/>
+      </a:effectRef>
+      <a:fontRef idx="minor"/>
+    </dgm:style>
+  </dgm:styleLbl>
+</dgm:styleDef>
 </file>
 
 <file path=ppt/slideLayouts/slideLayout1.xml><?xml version="1.0" encoding="utf-8"?>
@@ -6096,12 +9670,21 @@
             <p:ph type="ctrTitle"/>
           </p:nvPr>
         </p:nvSpPr>
-        <p:spPr/>
+        <p:spPr>
+          <a:xfrm>
+            <a:off x="1154955" y="1690251"/>
+            <a:ext cx="8825658" cy="1563126"/>
+          </a:xfrm>
+        </p:spPr>
         <p:txBody>
           <a:bodyPr/>
           <a:lstStyle/>
           <a:p>
-            <a:endParaRPr lang="en-US"/>
+            <a:r>
+              <a:rPr lang="en-US" dirty="0" smtClean="0"/>
+              <a:t>Emotion Detection</a:t>
+            </a:r>
+            <a:endParaRPr lang="en-US" dirty="0"/>
           </a:p>
         </p:txBody>
       </p:sp>
@@ -6115,12 +9698,53 @@
             <p:ph type="subTitle" idx="1"/>
           </p:nvPr>
         </p:nvSpPr>
-        <p:spPr/>
+        <p:spPr>
+          <a:xfrm>
+            <a:off x="1154955" y="3676073"/>
+            <a:ext cx="8825658" cy="1962727"/>
+          </a:xfrm>
+        </p:spPr>
         <p:txBody>
           <a:bodyPr/>
           <a:lstStyle/>
           <a:p>
-            <a:endParaRPr lang="en-US"/>
+            <a:r>
+              <a:rPr lang="en-US" dirty="0" smtClean="0"/>
+              <a:t>CMPSC 445 World Campus Fall 202</a:t>
+            </a:r>
+          </a:p>
+          <a:p>
+            <a:r>
+              <a:rPr lang="en-US" dirty="0" smtClean="0"/>
+              <a:t>Group 2 Project Presentation</a:t>
+            </a:r>
+          </a:p>
+          <a:p>
+            <a:pPr algn="r"/>
+            <a:r>
+              <a:rPr lang="en-US" sz="1600" i="1" cap="none" dirty="0" smtClean="0"/>
+              <a:t>Joelle Chan, </a:t>
+            </a:r>
+            <a:r>
+              <a:rPr lang="en-US" sz="1600" i="1" cap="none" dirty="0"/>
+              <a:t>Charles Doebler, </a:t>
+            </a:r>
+            <a:r>
+              <a:rPr lang="it-IT" sz="1600" i="1" cap="none" dirty="0"/>
+              <a:t>Dominic </a:t>
+            </a:r>
+            <a:r>
+              <a:rPr lang="it-IT" sz="1600" i="1" cap="none" dirty="0" smtClean="0"/>
+              <a:t>Pasquarelli, </a:t>
+            </a:r>
+            <a:r>
+              <a:rPr lang="it-IT" sz="1600" i="1" cap="none" dirty="0"/>
+              <a:t>Rayaan Malhotra</a:t>
+            </a:r>
+            <a:endParaRPr lang="en-US" sz="1600" i="1" cap="none" dirty="0" smtClean="0"/>
+          </a:p>
+          <a:p>
+            <a:endParaRPr lang="en-US" dirty="0" smtClean="0"/>
           </a:p>
         </p:txBody>
       </p:sp>
@@ -6128,6 +9752,160 @@
     <p:extLst>
       <p:ext uri="{BB962C8B-B14F-4D97-AF65-F5344CB8AC3E}">
         <p14:creationId xmlns:p14="http://schemas.microsoft.com/office/powerpoint/2010/main" val="110161094"/>
+      </p:ext>
+    </p:extLst>
+  </p:cSld>
+  <p:clrMapOvr>
+    <a:masterClrMapping/>
+  </p:clrMapOvr>
+</p:sld>
+</file>
+
+<file path=ppt/slides/slide2.xml><?xml version="1.0" encoding="utf-8"?>
+<p:sld xmlns:a="http://schemas.openxmlformats.org/drawingml/2006/main" xmlns:r="http://schemas.openxmlformats.org/officeDocument/2006/relationships" xmlns:p="http://schemas.openxmlformats.org/presentationml/2006/main">
+  <p:cSld>
+    <p:spTree>
+      <p:nvGrpSpPr>
+        <p:cNvPr id="1" name=""/>
+        <p:cNvGrpSpPr/>
+        <p:nvPr/>
+      </p:nvGrpSpPr>
+      <p:grpSpPr>
+        <a:xfrm>
+          <a:off x="0" y="0"/>
+          <a:ext cx="0" cy="0"/>
+          <a:chOff x="0" y="0"/>
+          <a:chExt cx="0" cy="0"/>
+        </a:xfrm>
+      </p:grpSpPr>
+      <p:sp>
+        <p:nvSpPr>
+          <p:cNvPr id="2" name="Title 1"/>
+          <p:cNvSpPr>
+            <a:spLocks noGrp="1"/>
+          </p:cNvSpPr>
+          <p:nvPr>
+            <p:ph type="title"/>
+          </p:nvPr>
+        </p:nvSpPr>
+        <p:spPr/>
+        <p:txBody>
+          <a:bodyPr/>
+          <a:lstStyle/>
+          <a:p>
+            <a:r>
+              <a:rPr lang="en-US" dirty="0" smtClean="0"/>
+              <a:t>Emotion Detection</a:t>
+            </a:r>
+            <a:endParaRPr lang="en-US" dirty="0"/>
+          </a:p>
+        </p:txBody>
+      </p:sp>
+      <p:graphicFrame>
+        <p:nvGraphicFramePr>
+          <p:cNvPr id="4" name="Content Placeholder 3"/>
+          <p:cNvGraphicFramePr>
+            <a:graphicFrameLocks noGrp="1"/>
+          </p:cNvGraphicFramePr>
+          <p:nvPr>
+            <p:ph idx="1"/>
+            <p:extLst>
+              <p:ext uri="{D42A27DB-BD31-4B8C-83A1-F6EECF244321}">
+                <p14:modId xmlns:p14="http://schemas.microsoft.com/office/powerpoint/2010/main" val="1655272631"/>
+              </p:ext>
+            </p:extLst>
+          </p:nvPr>
+        </p:nvGraphicFramePr>
+        <p:xfrm>
+          <a:off x="1103313" y="2052638"/>
+          <a:ext cx="8947150" cy="4195762"/>
+        </p:xfrm>
+        <a:graphic>
+          <a:graphicData uri="http://schemas.openxmlformats.org/drawingml/2006/diagram">
+            <dgm:relIds xmlns:dgm="http://schemas.openxmlformats.org/drawingml/2006/diagram" xmlns:r="http://schemas.openxmlformats.org/officeDocument/2006/relationships" r:dm="rId2" r:lo="rId3" r:qs="rId4" r:cs="rId5"/>
+          </a:graphicData>
+        </a:graphic>
+      </p:graphicFrame>
+      <p:sp>
+        <p:nvSpPr>
+          <p:cNvPr id="5" name="Right Arrow 4"/>
+          <p:cNvSpPr/>
+          <p:nvPr/>
+        </p:nvSpPr>
+        <p:spPr>
+          <a:xfrm>
+            <a:off x="3814619" y="2401455"/>
+            <a:ext cx="544945" cy="365760"/>
+          </a:xfrm>
+          <a:prstGeom prst="rightArrow">
+            <a:avLst/>
+          </a:prstGeom>
+        </p:spPr>
+        <p:style>
+          <a:lnRef idx="2">
+            <a:schemeClr val="accent1"/>
+          </a:lnRef>
+          <a:fillRef idx="1">
+            <a:schemeClr val="lt1"/>
+          </a:fillRef>
+          <a:effectRef idx="0">
+            <a:schemeClr val="accent1"/>
+          </a:effectRef>
+          <a:fontRef idx="minor">
+            <a:schemeClr val="dk1"/>
+          </a:fontRef>
+        </p:style>
+        <p:txBody>
+          <a:bodyPr rtlCol="0" anchor="ctr"/>
+          <a:lstStyle/>
+          <a:p>
+            <a:pPr algn="ctr"/>
+            <a:endParaRPr lang="en-US"/>
+          </a:p>
+        </p:txBody>
+      </p:sp>
+      <p:sp>
+        <p:nvSpPr>
+          <p:cNvPr id="7" name="Left-Right Arrow 6"/>
+          <p:cNvSpPr/>
+          <p:nvPr/>
+        </p:nvSpPr>
+        <p:spPr>
+          <a:xfrm>
+            <a:off x="6780614" y="2401455"/>
+            <a:ext cx="567344" cy="365760"/>
+          </a:xfrm>
+          <a:prstGeom prst="leftRightArrow">
+            <a:avLst/>
+          </a:prstGeom>
+        </p:spPr>
+        <p:style>
+          <a:lnRef idx="2">
+            <a:schemeClr val="accent1"/>
+          </a:lnRef>
+          <a:fillRef idx="1">
+            <a:schemeClr val="lt1"/>
+          </a:fillRef>
+          <a:effectRef idx="0">
+            <a:schemeClr val="accent1"/>
+          </a:effectRef>
+          <a:fontRef idx="minor">
+            <a:schemeClr val="dk1"/>
+          </a:fontRef>
+        </p:style>
+        <p:txBody>
+          <a:bodyPr rtlCol="0" anchor="ctr"/>
+          <a:lstStyle/>
+          <a:p>
+            <a:pPr algn="ctr"/>
+            <a:endParaRPr lang="en-US"/>
+          </a:p>
+        </p:txBody>
+      </p:sp>
+    </p:spTree>
+    <p:extLst>
+      <p:ext uri="{BB962C8B-B14F-4D97-AF65-F5344CB8AC3E}">
+        <p14:creationId xmlns:p14="http://schemas.microsoft.com/office/powerpoint/2010/main" val="1720573804"/>
       </p:ext>
     </p:extLst>
   </p:cSld>
